--- a/tractor_jd_1025r_X758.pptx
+++ b/tractor_jd_1025r_X758.pptx
@@ -8,10 +8,11 @@
     <p:sldId id="262" r:id="rId2"/>
     <p:sldId id="258" r:id="rId3"/>
     <p:sldId id="264" r:id="rId4"/>
-    <p:sldId id="261" r:id="rId5"/>
-    <p:sldId id="266" r:id="rId6"/>
-    <p:sldId id="265" r:id="rId7"/>
-    <p:sldId id="263" r:id="rId8"/>
+    <p:sldId id="266" r:id="rId5"/>
+    <p:sldId id="261" r:id="rId6"/>
+    <p:sldId id="267" r:id="rId7"/>
+    <p:sldId id="265" r:id="rId8"/>
+    <p:sldId id="263" r:id="rId9"/>
   </p:sldIdLst>
   <p:sldSz cx="12192000" cy="6858000"/>
   <p:notesSz cx="6858000" cy="9144000"/>
@@ -5492,494 +5493,6 @@
   <p:cSld>
     <p:spTree>
       <p:nvGrpSpPr>
-        <p:cNvPr id="1" name=""/>
-        <p:cNvGrpSpPr/>
-        <p:nvPr/>
-      </p:nvGrpSpPr>
-      <p:grpSpPr>
-        <a:xfrm>
-          <a:off x="0" y="0"/>
-          <a:ext cx="0" cy="0"/>
-          <a:chOff x="0" y="0"/>
-          <a:chExt cx="0" cy="0"/>
-        </a:xfrm>
-      </p:grpSpPr>
-      <p:sp>
-        <p:nvSpPr>
-          <p:cNvPr id="2" name="TextBox 1">
-            <a:extLst>
-              <a:ext uri="{FF2B5EF4-FFF2-40B4-BE49-F238E27FC236}">
-                <a16:creationId xmlns:a16="http://schemas.microsoft.com/office/drawing/2014/main" id="{775BBD15-AEC2-1815-2347-A5BB8F308263}"/>
-              </a:ext>
-            </a:extLst>
-          </p:cNvPr>
-          <p:cNvSpPr txBox="1"/>
-          <p:nvPr/>
-        </p:nvSpPr>
-        <p:spPr>
-          <a:xfrm>
-            <a:off x="-1" y="0"/>
-            <a:ext cx="6096001" cy="523220"/>
-          </a:xfrm>
-          <a:prstGeom prst="rect">
-            <a:avLst/>
-          </a:prstGeom>
-          <a:noFill/>
-        </p:spPr>
-        <p:txBody>
-          <a:bodyPr wrap="square" rtlCol="0">
-            <a:spAutoFit/>
-          </a:bodyPr>
-          <a:lstStyle/>
-          <a:p>
-            <a:r>
-              <a:rPr lang="en-US" sz="2800" b="1" dirty="0"/>
-              <a:t>John Deere X758</a:t>
-            </a:r>
-          </a:p>
-        </p:txBody>
-      </p:sp>
-      <p:sp>
-        <p:nvSpPr>
-          <p:cNvPr id="3" name="TextBox 2">
-            <a:extLst>
-              <a:ext uri="{FF2B5EF4-FFF2-40B4-BE49-F238E27FC236}">
-                <a16:creationId xmlns:a16="http://schemas.microsoft.com/office/drawing/2014/main" id="{DC69E50A-DD6F-49A2-50A0-AE0A50A8C419}"/>
-              </a:ext>
-            </a:extLst>
-          </p:cNvPr>
-          <p:cNvSpPr txBox="1"/>
-          <p:nvPr/>
-        </p:nvSpPr>
-        <p:spPr>
-          <a:xfrm>
-            <a:off x="5181599" y="186268"/>
-            <a:ext cx="6863281" cy="6401753"/>
-          </a:xfrm>
-          <a:prstGeom prst="rect">
-            <a:avLst/>
-          </a:prstGeom>
-          <a:noFill/>
-        </p:spPr>
-        <p:txBody>
-          <a:bodyPr wrap="square" rtlCol="0">
-            <a:spAutoFit/>
-          </a:bodyPr>
-          <a:lstStyle/>
-          <a:p>
-            <a:r>
-              <a:rPr lang="en-US" b="1" dirty="0">
-                <a:solidFill>
-                  <a:srgbClr val="00B050"/>
-                </a:solidFill>
-              </a:rPr>
-              <a:t>What to do at low temperature: -20°C (-4°F):</a:t>
-            </a:r>
-            <a:endParaRPr lang="en-US" sz="1400" dirty="0">
-              <a:solidFill>
-                <a:srgbClr val="00B050"/>
-              </a:solidFill>
-            </a:endParaRPr>
-          </a:p>
-          <a:p>
-            <a:pPr marL="285750" indent="-285750">
-              <a:buFont typeface="Courier New" panose="02070309020205020404" pitchFamily="49" charset="0"/>
-              <a:buChar char="o"/>
-            </a:pPr>
-            <a:r>
-              <a:rPr lang="en-US" sz="1400" b="1" dirty="0">
-                <a:solidFill>
-                  <a:srgbClr val="FF0000"/>
-                </a:solidFill>
-              </a:rPr>
-              <a:t>Engine oil</a:t>
-            </a:r>
-            <a:r>
-              <a:rPr lang="en-US" sz="1400" dirty="0"/>
-              <a:t>: above -15°C (5°F) - standard 15W-40 oil;  below - lower viscosity 0W-40 or 5W-40 synthetic diesel oil</a:t>
-            </a:r>
-          </a:p>
-          <a:p>
-            <a:pPr marL="285750" indent="-285750">
-              <a:buFont typeface="Courier New" panose="02070309020205020404" pitchFamily="49" charset="0"/>
-              <a:buChar char="o"/>
-            </a:pPr>
-            <a:r>
-              <a:rPr lang="en-US" sz="1400" b="1" dirty="0">
-                <a:solidFill>
-                  <a:srgbClr val="FF0000"/>
-                </a:solidFill>
-              </a:rPr>
-              <a:t>Engine Warm-Up </a:t>
-            </a:r>
-            <a:r>
-              <a:rPr lang="en-US" sz="1400" dirty="0"/>
-              <a:t>- the X758 has glow plugs that warm the cylinders before starting.  Turn the key to the "ON" position, wait for the glow plug indicator light (squiggly line) to go off before cranking the engine</a:t>
-            </a:r>
-          </a:p>
-          <a:p>
-            <a:pPr marL="285750" indent="-285750">
-              <a:buFont typeface="Courier New" panose="02070309020205020404" pitchFamily="49" charset="0"/>
-              <a:buChar char="o"/>
-            </a:pPr>
-            <a:r>
-              <a:rPr lang="en-US" sz="1400" b="1" dirty="0">
-                <a:solidFill>
-                  <a:srgbClr val="FF0000"/>
-                </a:solidFill>
-              </a:rPr>
-              <a:t>Engine block heater</a:t>
-            </a:r>
-            <a:r>
-              <a:rPr lang="en-US" sz="1400" dirty="0"/>
-              <a:t> – JD engine </a:t>
-            </a:r>
-            <a:r>
-              <a:rPr lang="en-US" sz="1400" b="1" dirty="0">
-                <a:solidFill>
-                  <a:srgbClr val="00B0F0"/>
-                </a:solidFill>
-              </a:rPr>
-              <a:t>coolant heater (part number AR87167)</a:t>
-            </a:r>
-            <a:r>
-              <a:rPr lang="en-US" sz="1400" dirty="0"/>
-              <a:t> requires an </a:t>
-            </a:r>
-            <a:r>
-              <a:rPr lang="en-US" sz="1400" b="1" dirty="0">
-                <a:solidFill>
-                  <a:srgbClr val="00B0F0"/>
-                </a:solidFill>
-              </a:rPr>
-              <a:t>adapter kit (MIA881629) </a:t>
-            </a:r>
-            <a:r>
-              <a:rPr lang="en-US" sz="1400" dirty="0"/>
-              <a:t>for installation on the X758 and should be plugged in for at least </a:t>
-            </a:r>
-            <a:r>
-              <a:rPr lang="en-US" sz="1400" b="1" dirty="0">
-                <a:solidFill>
-                  <a:srgbClr val="FF0000"/>
-                </a:solidFill>
-              </a:rPr>
-              <a:t>one hour before starting</a:t>
-            </a:r>
-            <a:r>
-              <a:rPr lang="en-US" sz="1400" dirty="0"/>
-              <a:t>.</a:t>
-            </a:r>
-          </a:p>
-          <a:p>
-            <a:pPr marL="285750" indent="-285750">
-              <a:buFont typeface="Courier New" panose="02070309020205020404" pitchFamily="49" charset="0"/>
-              <a:buChar char="o"/>
-            </a:pPr>
-            <a:r>
-              <a:rPr lang="en-US" sz="1400" b="1" dirty="0">
-                <a:solidFill>
-                  <a:srgbClr val="FF0000"/>
-                </a:solidFill>
-              </a:rPr>
-              <a:t>Hydraulic fluid </a:t>
-            </a:r>
-            <a:r>
-              <a:rPr lang="en-US" sz="1400" dirty="0"/>
-              <a:t>– </a:t>
-            </a:r>
-            <a:r>
-              <a:rPr lang="en-US" sz="1400" b="1" dirty="0">
-                <a:solidFill>
-                  <a:srgbClr val="00B0F0"/>
-                </a:solidFill>
-              </a:rPr>
-              <a:t>use premium synthetic hydraulic fluids with cold-flow improvers</a:t>
-            </a:r>
-            <a:r>
-              <a:rPr lang="en-US" sz="1400" dirty="0"/>
-              <a:t>. </a:t>
-            </a:r>
-          </a:p>
-          <a:p>
-            <a:pPr marL="285750" indent="-285750">
-              <a:buFont typeface="Courier New" panose="02070309020205020404" pitchFamily="49" charset="0"/>
-              <a:buChar char="o"/>
-            </a:pPr>
-            <a:r>
-              <a:rPr lang="en-US" sz="1400" dirty="0"/>
-              <a:t>After starting, let the tractor idle for several minutes to allow both the engine and hydraulic oil to warm up before operating implements or the power steering system under load</a:t>
-            </a:r>
-          </a:p>
-          <a:p>
-            <a:pPr marL="285750" indent="-285750">
-              <a:buFont typeface="Courier New" panose="02070309020205020404" pitchFamily="49" charset="0"/>
-              <a:buChar char="o"/>
-            </a:pPr>
-            <a:r>
-              <a:rPr lang="en-US" sz="1400" b="1" dirty="0">
-                <a:solidFill>
-                  <a:srgbClr val="FF0000"/>
-                </a:solidFill>
-              </a:rPr>
-              <a:t>Diesel Fuel </a:t>
-            </a:r>
-            <a:r>
-              <a:rPr lang="en-US" sz="1400" dirty="0"/>
-              <a:t>- begins gelling at temperatures below -12°C (10-15°F), and at -20°C you'll be well into the danger zone where the fuel solidifies and can no longer flow through the fuel lines and filters </a:t>
-            </a:r>
-          </a:p>
-          <a:p>
-            <a:pPr marL="285750" indent="-285750">
-              <a:buFont typeface="Courier New" panose="02070309020205020404" pitchFamily="49" charset="0"/>
-              <a:buChar char="o"/>
-            </a:pPr>
-            <a:r>
-              <a:rPr lang="en-US" sz="1400" b="1" dirty="0">
-                <a:solidFill>
-                  <a:srgbClr val="FF0000"/>
-                </a:solidFill>
-              </a:rPr>
-              <a:t>Fuel Additives (anti-gel additives) </a:t>
-            </a:r>
-            <a:r>
-              <a:rPr lang="en-US" sz="1400" dirty="0"/>
-              <a:t>- they lower the cloud point (temperature where wax crystals form), prevent wax crystals from sticking together, and disperse moisture to prevent ice formation in fuel filters. </a:t>
-            </a:r>
-            <a:br>
-              <a:rPr lang="en-US" sz="1400" dirty="0"/>
-            </a:br>
-            <a:r>
-              <a:rPr lang="en-US" sz="1400" dirty="0"/>
-              <a:t>Products like </a:t>
-            </a:r>
-            <a:r>
-              <a:rPr lang="en-US" sz="1400" b="1" dirty="0">
-                <a:solidFill>
-                  <a:srgbClr val="00B0F0"/>
-                </a:solidFill>
-              </a:rPr>
-              <a:t>Hot Shot's Secret Diesel Winter Anti-Gel or </a:t>
-            </a:r>
-            <a:r>
-              <a:rPr lang="en-US" sz="1400" b="1" dirty="0" err="1">
-                <a:solidFill>
-                  <a:srgbClr val="00B0F0"/>
-                </a:solidFill>
-              </a:rPr>
-              <a:t>Archoil</a:t>
-            </a:r>
-            <a:r>
-              <a:rPr lang="en-US" sz="1400" b="1" dirty="0">
-                <a:solidFill>
-                  <a:srgbClr val="00B0F0"/>
-                </a:solidFill>
-              </a:rPr>
-              <a:t> AR6300 </a:t>
-            </a:r>
-            <a:r>
-              <a:rPr lang="en-US" sz="1400" dirty="0"/>
-              <a:t>can protect diesel fuel down to -40°F (-40°C) when used at every fill-up. The additives should be mixed with fuel before temperatures drop, as </a:t>
-            </a:r>
-            <a:r>
-              <a:rPr lang="en-US" sz="1400" dirty="0">
-                <a:solidFill>
-                  <a:srgbClr val="00B0F0"/>
-                </a:solidFill>
-              </a:rPr>
-              <a:t>they cannot reverse gelling once it has already occurred</a:t>
-            </a:r>
-            <a:r>
-              <a:rPr lang="en-US" sz="1400" dirty="0"/>
-              <a:t>.</a:t>
-            </a:r>
-          </a:p>
-          <a:p>
-            <a:pPr marL="285750" indent="-285750">
-              <a:buFont typeface="Courier New" panose="02070309020205020404" pitchFamily="49" charset="0"/>
-              <a:buChar char="o"/>
-            </a:pPr>
-            <a:r>
-              <a:rPr lang="en-US" sz="1400" b="1" dirty="0">
-                <a:solidFill>
-                  <a:srgbClr val="FF0000"/>
-                </a:solidFill>
-              </a:rPr>
-              <a:t>Winter Diesel Fuel  </a:t>
-            </a:r>
-            <a:r>
-              <a:rPr lang="en-US" sz="1400" dirty="0"/>
-              <a:t>(sold in cold regions) - pre-treated for cold weather. For example, in Minnesota during winter, pump diesel is rated to -30°F. But you still need extra fuel additives for -20°C</a:t>
-            </a:r>
-          </a:p>
-          <a:p>
-            <a:pPr marL="285750" indent="-285750">
-              <a:buFont typeface="Courier New" panose="02070309020205020404" pitchFamily="49" charset="0"/>
-              <a:buChar char="o"/>
-            </a:pPr>
-            <a:r>
-              <a:rPr lang="en-US" sz="1400" b="1" dirty="0">
-                <a:solidFill>
-                  <a:srgbClr val="FF0000"/>
-                </a:solidFill>
-              </a:rPr>
-              <a:t>Keep fuel tank full </a:t>
-            </a:r>
-            <a:r>
-              <a:rPr lang="en-US" sz="1400" dirty="0"/>
-              <a:t>to reduce air space and reduce moisture condensation inside the tank which can freeze and cause additional fuel system blockages. The anti-gel additive should be added to the tank before filling so it mixes thoroughly with the incoming fuel.</a:t>
-            </a:r>
-          </a:p>
-        </p:txBody>
-      </p:sp>
-      <p:pic>
-        <p:nvPicPr>
-          <p:cNvPr id="1026" name="Picture 2" descr="AR87167 Engine Block Coolant Heater Kit Fits for John Deere 1025R 110 2210  2305 4210 445 X495 XUV Gator 850D 855D 855M 865E - AliExpress">
-            <a:extLst>
-              <a:ext uri="{FF2B5EF4-FFF2-40B4-BE49-F238E27FC236}">
-                <a16:creationId xmlns:a16="http://schemas.microsoft.com/office/drawing/2014/main" id="{E31E646C-AD08-4238-DAB7-02DE88ECA7CC}"/>
-              </a:ext>
-            </a:extLst>
-          </p:cNvPr>
-          <p:cNvPicPr>
-            <a:picLocks noChangeAspect="1" noChangeArrowheads="1"/>
-          </p:cNvPicPr>
-          <p:nvPr/>
-        </p:nvPicPr>
-        <p:blipFill>
-          <a:blip r:embed="rId2" cstate="email">
-            <a:extLst>
-              <a:ext uri="{28A0092B-C50C-407E-A947-70E740481C1C}">
-                <a14:useLocalDpi xmlns:a14="http://schemas.microsoft.com/office/drawing/2010/main"/>
-              </a:ext>
-            </a:extLst>
-          </a:blip>
-          <a:srcRect/>
-          <a:stretch>
-            <a:fillRect/>
-          </a:stretch>
-        </p:blipFill>
-        <p:spPr bwMode="auto">
-          <a:xfrm>
-            <a:off x="147120" y="2500930"/>
-            <a:ext cx="4087091" cy="4087091"/>
-          </a:xfrm>
-          <a:prstGeom prst="rect">
-            <a:avLst/>
-          </a:prstGeom>
-          <a:noFill/>
-          <a:extLst>
-            <a:ext uri="{909E8E84-426E-40DD-AFC4-6F175D3DCCD1}">
-              <a14:hiddenFill xmlns:a14="http://schemas.microsoft.com/office/drawing/2010/main">
-                <a:solidFill>
-                  <a:srgbClr val="FFFFFF"/>
-                </a:solidFill>
-              </a14:hiddenFill>
-            </a:ext>
-          </a:extLst>
-        </p:spPr>
-      </p:pic>
-      <p:pic>
-        <p:nvPicPr>
-          <p:cNvPr id="1028" name="Picture 4" descr="John Deere AR87167 Engine Block Coolant Heater Kit 1025R 110 2210 2305 Gator">
-            <a:extLst>
-              <a:ext uri="{FF2B5EF4-FFF2-40B4-BE49-F238E27FC236}">
-                <a16:creationId xmlns:a16="http://schemas.microsoft.com/office/drawing/2014/main" id="{F97D0BC0-FBA4-1B8E-A5A3-C35BC59A28F2}"/>
-              </a:ext>
-            </a:extLst>
-          </p:cNvPr>
-          <p:cNvPicPr>
-            <a:picLocks noChangeAspect="1" noChangeArrowheads="1"/>
-          </p:cNvPicPr>
-          <p:nvPr/>
-        </p:nvPicPr>
-        <p:blipFill>
-          <a:blip r:embed="rId3" cstate="email">
-            <a:extLst>
-              <a:ext uri="{28A0092B-C50C-407E-A947-70E740481C1C}">
-                <a14:useLocalDpi xmlns:a14="http://schemas.microsoft.com/office/drawing/2010/main"/>
-              </a:ext>
-            </a:extLst>
-          </a:blip>
-          <a:srcRect/>
-          <a:stretch>
-            <a:fillRect/>
-          </a:stretch>
-        </p:blipFill>
-        <p:spPr bwMode="auto">
-          <a:xfrm>
-            <a:off x="147120" y="770857"/>
-            <a:ext cx="1482436" cy="1482436"/>
-          </a:xfrm>
-          <a:prstGeom prst="rect">
-            <a:avLst/>
-          </a:prstGeom>
-          <a:noFill/>
-          <a:extLst>
-            <a:ext uri="{909E8E84-426E-40DD-AFC4-6F175D3DCCD1}">
-              <a14:hiddenFill xmlns:a14="http://schemas.microsoft.com/office/drawing/2010/main">
-                <a:solidFill>
-                  <a:srgbClr val="FFFFFF"/>
-                </a:solidFill>
-              </a14:hiddenFill>
-            </a:ext>
-          </a:extLst>
-        </p:spPr>
-      </p:pic>
-      <p:sp>
-        <p:nvSpPr>
-          <p:cNvPr id="4" name="TextBox 3">
-            <a:extLst>
-              <a:ext uri="{FF2B5EF4-FFF2-40B4-BE49-F238E27FC236}">
-                <a16:creationId xmlns:a16="http://schemas.microsoft.com/office/drawing/2014/main" id="{4248EAA2-37A7-21EF-BFB2-53447F6C3A8C}"/>
-              </a:ext>
-            </a:extLst>
-          </p:cNvPr>
-          <p:cNvSpPr txBox="1"/>
-          <p:nvPr/>
-        </p:nvSpPr>
-        <p:spPr>
-          <a:xfrm>
-            <a:off x="1629556" y="808399"/>
-            <a:ext cx="3164117" cy="1200329"/>
-          </a:xfrm>
-          <a:prstGeom prst="rect">
-            <a:avLst/>
-          </a:prstGeom>
-          <a:noFill/>
-        </p:spPr>
-        <p:txBody>
-          <a:bodyPr wrap="square" rtlCol="0">
-            <a:spAutoFit/>
-          </a:bodyPr>
-          <a:lstStyle/>
-          <a:p>
-            <a:r>
-              <a:rPr lang="en-US" dirty="0"/>
-              <a:t>The warmth spreads through the entire engine via natural convection of the coolant. It takes 1-2 hours </a:t>
-            </a:r>
-            <a:endParaRPr lang="en-US" sz="1400" dirty="0"/>
-          </a:p>
-        </p:txBody>
-      </p:sp>
-    </p:spTree>
-    <p:extLst>
-      <p:ext uri="{BB962C8B-B14F-4D97-AF65-F5344CB8AC3E}">
-        <p14:creationId xmlns:p14="http://schemas.microsoft.com/office/powerpoint/2010/main" val="1288276014"/>
-      </p:ext>
-    </p:extLst>
-  </p:cSld>
-  <p:clrMapOvr>
-    <a:masterClrMapping/>
-  </p:clrMapOvr>
-</p:sld>
-</file>
-
-<file path=ppt/slides/slide5.xml><?xml version="1.0" encoding="utf-8"?>
-<p:sld xmlns:a="http://schemas.openxmlformats.org/drawingml/2006/main" xmlns:r="http://schemas.openxmlformats.org/officeDocument/2006/relationships" xmlns:p="http://schemas.openxmlformats.org/presentationml/2006/main">
-  <p:cSld>
-    <p:spTree>
-      <p:nvGrpSpPr>
         <p:cNvPr id="1" name="">
           <a:extLst>
             <a:ext uri="{FF2B5EF4-FFF2-40B4-BE49-F238E27FC236}">
@@ -6305,7 +5818,1047 @@
 </p:sld>
 </file>
 
+<file path=ppt/slides/slide5.xml><?xml version="1.0" encoding="utf-8"?>
+<p:sld xmlns:a="http://schemas.openxmlformats.org/drawingml/2006/main" xmlns:r="http://schemas.openxmlformats.org/officeDocument/2006/relationships" xmlns:p="http://schemas.openxmlformats.org/presentationml/2006/main">
+  <p:cSld>
+    <p:spTree>
+      <p:nvGrpSpPr>
+        <p:cNvPr id="1" name=""/>
+        <p:cNvGrpSpPr/>
+        <p:nvPr/>
+      </p:nvGrpSpPr>
+      <p:grpSpPr>
+        <a:xfrm>
+          <a:off x="0" y="0"/>
+          <a:ext cx="0" cy="0"/>
+          <a:chOff x="0" y="0"/>
+          <a:chExt cx="0" cy="0"/>
+        </a:xfrm>
+      </p:grpSpPr>
+      <p:sp>
+        <p:nvSpPr>
+          <p:cNvPr id="2" name="TextBox 1">
+            <a:extLst>
+              <a:ext uri="{FF2B5EF4-FFF2-40B4-BE49-F238E27FC236}">
+                <a16:creationId xmlns:a16="http://schemas.microsoft.com/office/drawing/2014/main" id="{775BBD15-AEC2-1815-2347-A5BB8F308263}"/>
+              </a:ext>
+            </a:extLst>
+          </p:cNvPr>
+          <p:cNvSpPr txBox="1"/>
+          <p:nvPr/>
+        </p:nvSpPr>
+        <p:spPr>
+          <a:xfrm>
+            <a:off x="-1" y="0"/>
+            <a:ext cx="6096001" cy="523220"/>
+          </a:xfrm>
+          <a:prstGeom prst="rect">
+            <a:avLst/>
+          </a:prstGeom>
+          <a:noFill/>
+        </p:spPr>
+        <p:txBody>
+          <a:bodyPr wrap="square" rtlCol="0">
+            <a:spAutoFit/>
+          </a:bodyPr>
+          <a:lstStyle/>
+          <a:p>
+            <a:r>
+              <a:rPr lang="en-US" sz="2800" b="1" dirty="0"/>
+              <a:t>John Deere X758</a:t>
+            </a:r>
+          </a:p>
+        </p:txBody>
+      </p:sp>
+      <p:sp>
+        <p:nvSpPr>
+          <p:cNvPr id="3" name="TextBox 2">
+            <a:extLst>
+              <a:ext uri="{FF2B5EF4-FFF2-40B4-BE49-F238E27FC236}">
+                <a16:creationId xmlns:a16="http://schemas.microsoft.com/office/drawing/2014/main" id="{DC69E50A-DD6F-49A2-50A0-AE0A50A8C419}"/>
+              </a:ext>
+            </a:extLst>
+          </p:cNvPr>
+          <p:cNvSpPr txBox="1"/>
+          <p:nvPr/>
+        </p:nvSpPr>
+        <p:spPr>
+          <a:xfrm>
+            <a:off x="5181599" y="186268"/>
+            <a:ext cx="6863281" cy="6401753"/>
+          </a:xfrm>
+          <a:prstGeom prst="rect">
+            <a:avLst/>
+          </a:prstGeom>
+          <a:noFill/>
+        </p:spPr>
+        <p:txBody>
+          <a:bodyPr wrap="square" rtlCol="0">
+            <a:spAutoFit/>
+          </a:bodyPr>
+          <a:lstStyle/>
+          <a:p>
+            <a:r>
+              <a:rPr lang="en-US" b="1" dirty="0">
+                <a:solidFill>
+                  <a:srgbClr val="00B050"/>
+                </a:solidFill>
+              </a:rPr>
+              <a:t>What to do at low temperature: -20°C (-4°F):</a:t>
+            </a:r>
+            <a:endParaRPr lang="en-US" sz="1400" dirty="0">
+              <a:solidFill>
+                <a:srgbClr val="00B050"/>
+              </a:solidFill>
+            </a:endParaRPr>
+          </a:p>
+          <a:p>
+            <a:pPr marL="285750" indent="-285750">
+              <a:buFont typeface="Courier New" panose="02070309020205020404" pitchFamily="49" charset="0"/>
+              <a:buChar char="o"/>
+            </a:pPr>
+            <a:r>
+              <a:rPr lang="en-US" sz="1400" b="1" dirty="0">
+                <a:solidFill>
+                  <a:srgbClr val="FF0000"/>
+                </a:solidFill>
+              </a:rPr>
+              <a:t>Engine oil</a:t>
+            </a:r>
+            <a:r>
+              <a:rPr lang="en-US" sz="1400" dirty="0"/>
+              <a:t>: above -15°C (5°F) - standard 15W-40 oil;  below - lower viscosity 0W-40 or 5W-40 synthetic diesel oil</a:t>
+            </a:r>
+          </a:p>
+          <a:p>
+            <a:pPr marL="285750" indent="-285750">
+              <a:buFont typeface="Courier New" panose="02070309020205020404" pitchFamily="49" charset="0"/>
+              <a:buChar char="o"/>
+            </a:pPr>
+            <a:r>
+              <a:rPr lang="en-US" sz="1400" b="1" dirty="0">
+                <a:solidFill>
+                  <a:srgbClr val="FF0000"/>
+                </a:solidFill>
+              </a:rPr>
+              <a:t>Engine Warm-Up </a:t>
+            </a:r>
+            <a:r>
+              <a:rPr lang="en-US" sz="1400" dirty="0"/>
+              <a:t>- the X758 has glow plugs that warm the cylinders before starting.  Turn the key to the "ON" position, wait for the glow plug indicator light (squiggly line) to go off before cranking the engine</a:t>
+            </a:r>
+          </a:p>
+          <a:p>
+            <a:pPr marL="285750" indent="-285750">
+              <a:buFont typeface="Courier New" panose="02070309020205020404" pitchFamily="49" charset="0"/>
+              <a:buChar char="o"/>
+            </a:pPr>
+            <a:r>
+              <a:rPr lang="en-US" sz="1400" b="1" dirty="0">
+                <a:solidFill>
+                  <a:srgbClr val="FF0000"/>
+                </a:solidFill>
+              </a:rPr>
+              <a:t>Engine block heater</a:t>
+            </a:r>
+            <a:r>
+              <a:rPr lang="en-US" sz="1400" dirty="0"/>
+              <a:t> – JD engine </a:t>
+            </a:r>
+            <a:r>
+              <a:rPr lang="en-US" sz="1400" b="1" dirty="0">
+                <a:solidFill>
+                  <a:srgbClr val="00B0F0"/>
+                </a:solidFill>
+              </a:rPr>
+              <a:t>coolant heater (part number AR87167)</a:t>
+            </a:r>
+            <a:r>
+              <a:rPr lang="en-US" sz="1400" dirty="0"/>
+              <a:t> requires an </a:t>
+            </a:r>
+            <a:r>
+              <a:rPr lang="en-US" sz="1400" b="1" dirty="0">
+                <a:solidFill>
+                  <a:srgbClr val="00B0F0"/>
+                </a:solidFill>
+              </a:rPr>
+              <a:t>adapter kit (MIA881629) </a:t>
+            </a:r>
+            <a:r>
+              <a:rPr lang="en-US" sz="1400" dirty="0"/>
+              <a:t>for installation on the X758 and should be plugged in for at least </a:t>
+            </a:r>
+            <a:r>
+              <a:rPr lang="en-US" sz="1400" b="1" dirty="0">
+                <a:solidFill>
+                  <a:srgbClr val="FF0000"/>
+                </a:solidFill>
+              </a:rPr>
+              <a:t>one hour before starting</a:t>
+            </a:r>
+            <a:r>
+              <a:rPr lang="en-US" sz="1400" dirty="0"/>
+              <a:t>.</a:t>
+            </a:r>
+          </a:p>
+          <a:p>
+            <a:pPr marL="285750" indent="-285750">
+              <a:buFont typeface="Courier New" panose="02070309020205020404" pitchFamily="49" charset="0"/>
+              <a:buChar char="o"/>
+            </a:pPr>
+            <a:r>
+              <a:rPr lang="en-US" sz="1400" b="1" dirty="0">
+                <a:solidFill>
+                  <a:srgbClr val="FF0000"/>
+                </a:solidFill>
+              </a:rPr>
+              <a:t>Hydraulic fluid </a:t>
+            </a:r>
+            <a:r>
+              <a:rPr lang="en-US" sz="1400" dirty="0"/>
+              <a:t>– </a:t>
+            </a:r>
+            <a:r>
+              <a:rPr lang="en-US" sz="1400" b="1" dirty="0">
+                <a:solidFill>
+                  <a:srgbClr val="00B0F0"/>
+                </a:solidFill>
+              </a:rPr>
+              <a:t>use premium synthetic hydraulic fluids with cold-flow improvers</a:t>
+            </a:r>
+            <a:r>
+              <a:rPr lang="en-US" sz="1400" dirty="0"/>
+              <a:t>. </a:t>
+            </a:r>
+          </a:p>
+          <a:p>
+            <a:pPr marL="285750" indent="-285750">
+              <a:buFont typeface="Courier New" panose="02070309020205020404" pitchFamily="49" charset="0"/>
+              <a:buChar char="o"/>
+            </a:pPr>
+            <a:r>
+              <a:rPr lang="en-US" sz="1400" dirty="0"/>
+              <a:t>After starting, let the tractor idle for several minutes to allow both the engine and hydraulic oil to warm up before operating implements or the power steering system under load</a:t>
+            </a:r>
+          </a:p>
+          <a:p>
+            <a:pPr marL="285750" indent="-285750">
+              <a:buFont typeface="Courier New" panose="02070309020205020404" pitchFamily="49" charset="0"/>
+              <a:buChar char="o"/>
+            </a:pPr>
+            <a:r>
+              <a:rPr lang="en-US" sz="1400" b="1" dirty="0">
+                <a:solidFill>
+                  <a:srgbClr val="FF0000"/>
+                </a:solidFill>
+              </a:rPr>
+              <a:t>Diesel Fuel </a:t>
+            </a:r>
+            <a:r>
+              <a:rPr lang="en-US" sz="1400" dirty="0"/>
+              <a:t>- begins gelling at temperatures below -12°C (10-15°F), and at -20°C you'll be well into the danger zone where the fuel solidifies and can no longer flow through the fuel lines and filters </a:t>
+            </a:r>
+          </a:p>
+          <a:p>
+            <a:pPr marL="285750" indent="-285750">
+              <a:buFont typeface="Courier New" panose="02070309020205020404" pitchFamily="49" charset="0"/>
+              <a:buChar char="o"/>
+            </a:pPr>
+            <a:r>
+              <a:rPr lang="en-US" sz="1400" b="1" dirty="0">
+                <a:solidFill>
+                  <a:srgbClr val="FF0000"/>
+                </a:solidFill>
+              </a:rPr>
+              <a:t>Fuel Additives (anti-gel additives) </a:t>
+            </a:r>
+            <a:r>
+              <a:rPr lang="en-US" sz="1400" dirty="0"/>
+              <a:t>- they lower the cloud point (temperature where wax crystals form), prevent wax crystals from sticking together, and disperse moisture to prevent ice formation in fuel filters. </a:t>
+            </a:r>
+            <a:br>
+              <a:rPr lang="en-US" sz="1400" dirty="0"/>
+            </a:br>
+            <a:r>
+              <a:rPr lang="en-US" sz="1400" dirty="0"/>
+              <a:t>Products like </a:t>
+            </a:r>
+            <a:r>
+              <a:rPr lang="en-US" sz="1400" b="1" dirty="0">
+                <a:solidFill>
+                  <a:srgbClr val="00B0F0"/>
+                </a:solidFill>
+              </a:rPr>
+              <a:t>Hot Shot's Secret Diesel Winter Anti-Gel or </a:t>
+            </a:r>
+            <a:r>
+              <a:rPr lang="en-US" sz="1400" b="1" dirty="0" err="1">
+                <a:solidFill>
+                  <a:srgbClr val="00B0F0"/>
+                </a:solidFill>
+              </a:rPr>
+              <a:t>Archoil</a:t>
+            </a:r>
+            <a:r>
+              <a:rPr lang="en-US" sz="1400" b="1" dirty="0">
+                <a:solidFill>
+                  <a:srgbClr val="00B0F0"/>
+                </a:solidFill>
+              </a:rPr>
+              <a:t> AR6300 </a:t>
+            </a:r>
+            <a:r>
+              <a:rPr lang="en-US" sz="1400" dirty="0"/>
+              <a:t>can protect diesel fuel down to -40°F (-40°C) when used at every fill-up. The additives should be mixed with fuel before temperatures drop, as </a:t>
+            </a:r>
+            <a:r>
+              <a:rPr lang="en-US" sz="1400" dirty="0">
+                <a:solidFill>
+                  <a:srgbClr val="00B0F0"/>
+                </a:solidFill>
+              </a:rPr>
+              <a:t>they cannot reverse gelling once it has already occurred</a:t>
+            </a:r>
+            <a:r>
+              <a:rPr lang="en-US" sz="1400" dirty="0"/>
+              <a:t>.</a:t>
+            </a:r>
+          </a:p>
+          <a:p>
+            <a:pPr marL="285750" indent="-285750">
+              <a:buFont typeface="Courier New" panose="02070309020205020404" pitchFamily="49" charset="0"/>
+              <a:buChar char="o"/>
+            </a:pPr>
+            <a:r>
+              <a:rPr lang="en-US" sz="1400" b="1" dirty="0">
+                <a:solidFill>
+                  <a:srgbClr val="FF0000"/>
+                </a:solidFill>
+              </a:rPr>
+              <a:t>Winter Diesel Fuel  </a:t>
+            </a:r>
+            <a:r>
+              <a:rPr lang="en-US" sz="1400" dirty="0"/>
+              <a:t>(sold in cold regions) - pre-treated for cold weather. For example, in Minnesota during winter, pump diesel is rated to -30°F. But you still need extra fuel additives for -20°C</a:t>
+            </a:r>
+          </a:p>
+          <a:p>
+            <a:pPr marL="285750" indent="-285750">
+              <a:buFont typeface="Courier New" panose="02070309020205020404" pitchFamily="49" charset="0"/>
+              <a:buChar char="o"/>
+            </a:pPr>
+            <a:r>
+              <a:rPr lang="en-US" sz="1400" b="1" dirty="0">
+                <a:solidFill>
+                  <a:srgbClr val="FF0000"/>
+                </a:solidFill>
+              </a:rPr>
+              <a:t>Keep fuel tank full </a:t>
+            </a:r>
+            <a:r>
+              <a:rPr lang="en-US" sz="1400" dirty="0"/>
+              <a:t>to reduce air space and reduce moisture condensation inside the tank which can freeze and cause additional fuel system blockages. The anti-gel additive should be added to the tank before filling so it mixes thoroughly with the incoming fuel.</a:t>
+            </a:r>
+          </a:p>
+        </p:txBody>
+      </p:sp>
+      <p:pic>
+        <p:nvPicPr>
+          <p:cNvPr id="1026" name="Picture 2" descr="AR87167 Engine Block Coolant Heater Kit Fits for John Deere 1025R 110 2210  2305 4210 445 X495 XUV Gator 850D 855D 855M 865E - AliExpress">
+            <a:extLst>
+              <a:ext uri="{FF2B5EF4-FFF2-40B4-BE49-F238E27FC236}">
+                <a16:creationId xmlns:a16="http://schemas.microsoft.com/office/drawing/2014/main" id="{E31E646C-AD08-4238-DAB7-02DE88ECA7CC}"/>
+              </a:ext>
+            </a:extLst>
+          </p:cNvPr>
+          <p:cNvPicPr>
+            <a:picLocks noChangeAspect="1" noChangeArrowheads="1"/>
+          </p:cNvPicPr>
+          <p:nvPr/>
+        </p:nvPicPr>
+        <p:blipFill>
+          <a:blip r:embed="rId2" cstate="email">
+            <a:extLst>
+              <a:ext uri="{28A0092B-C50C-407E-A947-70E740481C1C}">
+                <a14:useLocalDpi xmlns:a14="http://schemas.microsoft.com/office/drawing/2010/main"/>
+              </a:ext>
+            </a:extLst>
+          </a:blip>
+          <a:srcRect/>
+          <a:stretch>
+            <a:fillRect/>
+          </a:stretch>
+        </p:blipFill>
+        <p:spPr bwMode="auto">
+          <a:xfrm>
+            <a:off x="147120" y="2500930"/>
+            <a:ext cx="4087091" cy="4087091"/>
+          </a:xfrm>
+          <a:prstGeom prst="rect">
+            <a:avLst/>
+          </a:prstGeom>
+          <a:noFill/>
+          <a:extLst>
+            <a:ext uri="{909E8E84-426E-40DD-AFC4-6F175D3DCCD1}">
+              <a14:hiddenFill xmlns:a14="http://schemas.microsoft.com/office/drawing/2010/main">
+                <a:solidFill>
+                  <a:srgbClr val="FFFFFF"/>
+                </a:solidFill>
+              </a14:hiddenFill>
+            </a:ext>
+          </a:extLst>
+        </p:spPr>
+      </p:pic>
+      <p:pic>
+        <p:nvPicPr>
+          <p:cNvPr id="1028" name="Picture 4" descr="John Deere AR87167 Engine Block Coolant Heater Kit 1025R 110 2210 2305 Gator">
+            <a:extLst>
+              <a:ext uri="{FF2B5EF4-FFF2-40B4-BE49-F238E27FC236}">
+                <a16:creationId xmlns:a16="http://schemas.microsoft.com/office/drawing/2014/main" id="{F97D0BC0-FBA4-1B8E-A5A3-C35BC59A28F2}"/>
+              </a:ext>
+            </a:extLst>
+          </p:cNvPr>
+          <p:cNvPicPr>
+            <a:picLocks noChangeAspect="1" noChangeArrowheads="1"/>
+          </p:cNvPicPr>
+          <p:nvPr/>
+        </p:nvPicPr>
+        <p:blipFill>
+          <a:blip r:embed="rId3" cstate="email">
+            <a:extLst>
+              <a:ext uri="{28A0092B-C50C-407E-A947-70E740481C1C}">
+                <a14:useLocalDpi xmlns:a14="http://schemas.microsoft.com/office/drawing/2010/main"/>
+              </a:ext>
+            </a:extLst>
+          </a:blip>
+          <a:srcRect/>
+          <a:stretch>
+            <a:fillRect/>
+          </a:stretch>
+        </p:blipFill>
+        <p:spPr bwMode="auto">
+          <a:xfrm>
+            <a:off x="147120" y="770857"/>
+            <a:ext cx="1482436" cy="1482436"/>
+          </a:xfrm>
+          <a:prstGeom prst="rect">
+            <a:avLst/>
+          </a:prstGeom>
+          <a:noFill/>
+          <a:extLst>
+            <a:ext uri="{909E8E84-426E-40DD-AFC4-6F175D3DCCD1}">
+              <a14:hiddenFill xmlns:a14="http://schemas.microsoft.com/office/drawing/2010/main">
+                <a:solidFill>
+                  <a:srgbClr val="FFFFFF"/>
+                </a:solidFill>
+              </a14:hiddenFill>
+            </a:ext>
+          </a:extLst>
+        </p:spPr>
+      </p:pic>
+      <p:sp>
+        <p:nvSpPr>
+          <p:cNvPr id="4" name="TextBox 3">
+            <a:extLst>
+              <a:ext uri="{FF2B5EF4-FFF2-40B4-BE49-F238E27FC236}">
+                <a16:creationId xmlns:a16="http://schemas.microsoft.com/office/drawing/2014/main" id="{4248EAA2-37A7-21EF-BFB2-53447F6C3A8C}"/>
+              </a:ext>
+            </a:extLst>
+          </p:cNvPr>
+          <p:cNvSpPr txBox="1"/>
+          <p:nvPr/>
+        </p:nvSpPr>
+        <p:spPr>
+          <a:xfrm>
+            <a:off x="1629556" y="808399"/>
+            <a:ext cx="3164117" cy="1200329"/>
+          </a:xfrm>
+          <a:prstGeom prst="rect">
+            <a:avLst/>
+          </a:prstGeom>
+          <a:noFill/>
+        </p:spPr>
+        <p:txBody>
+          <a:bodyPr wrap="square" rtlCol="0">
+            <a:spAutoFit/>
+          </a:bodyPr>
+          <a:lstStyle/>
+          <a:p>
+            <a:r>
+              <a:rPr lang="en-US" dirty="0"/>
+              <a:t>The warmth spreads through the entire engine via natural convection of the coolant. It takes 1-2 hours </a:t>
+            </a:r>
+            <a:endParaRPr lang="en-US" sz="1400" dirty="0"/>
+          </a:p>
+        </p:txBody>
+      </p:sp>
+    </p:spTree>
+    <p:extLst>
+      <p:ext uri="{BB962C8B-B14F-4D97-AF65-F5344CB8AC3E}">
+        <p14:creationId xmlns:p14="http://schemas.microsoft.com/office/powerpoint/2010/main" val="1288276014"/>
+      </p:ext>
+    </p:extLst>
+  </p:cSld>
+  <p:clrMapOvr>
+    <a:masterClrMapping/>
+  </p:clrMapOvr>
+</p:sld>
+</file>
+
 <file path=ppt/slides/slide6.xml><?xml version="1.0" encoding="utf-8"?>
+<p:sld xmlns:a="http://schemas.openxmlformats.org/drawingml/2006/main" xmlns:r="http://schemas.openxmlformats.org/officeDocument/2006/relationships" xmlns:p="http://schemas.openxmlformats.org/presentationml/2006/main">
+  <p:cSld>
+    <p:spTree>
+      <p:nvGrpSpPr>
+        <p:cNvPr id="1" name="">
+          <a:extLst>
+            <a:ext uri="{FF2B5EF4-FFF2-40B4-BE49-F238E27FC236}">
+              <a16:creationId xmlns:a16="http://schemas.microsoft.com/office/drawing/2014/main" id="{DB30550F-07AE-1CE7-20E3-2AA8BA6113CE}"/>
+            </a:ext>
+          </a:extLst>
+        </p:cNvPr>
+        <p:cNvGrpSpPr/>
+        <p:nvPr/>
+      </p:nvGrpSpPr>
+      <p:grpSpPr>
+        <a:xfrm>
+          <a:off x="0" y="0"/>
+          <a:ext cx="0" cy="0"/>
+          <a:chOff x="0" y="0"/>
+          <a:chExt cx="0" cy="0"/>
+        </a:xfrm>
+      </p:grpSpPr>
+      <p:sp>
+        <p:nvSpPr>
+          <p:cNvPr id="2" name="TextBox 1">
+            <a:extLst>
+              <a:ext uri="{FF2B5EF4-FFF2-40B4-BE49-F238E27FC236}">
+                <a16:creationId xmlns:a16="http://schemas.microsoft.com/office/drawing/2014/main" id="{7CB81E7F-18BC-34A7-0606-71AF37FC41F0}"/>
+              </a:ext>
+            </a:extLst>
+          </p:cNvPr>
+          <p:cNvSpPr txBox="1"/>
+          <p:nvPr/>
+        </p:nvSpPr>
+        <p:spPr>
+          <a:xfrm>
+            <a:off x="0" y="0"/>
+            <a:ext cx="4793674" cy="954107"/>
+          </a:xfrm>
+          <a:prstGeom prst="rect">
+            <a:avLst/>
+          </a:prstGeom>
+          <a:noFill/>
+        </p:spPr>
+        <p:txBody>
+          <a:bodyPr wrap="square" rtlCol="0">
+            <a:spAutoFit/>
+          </a:bodyPr>
+          <a:lstStyle/>
+          <a:p>
+            <a:r>
+              <a:rPr lang="en-US" sz="2800" b="1" dirty="0"/>
+              <a:t>Heating Electric Charges, snow blowers, tractor</a:t>
+            </a:r>
+          </a:p>
+        </p:txBody>
+      </p:sp>
+      <p:sp>
+        <p:nvSpPr>
+          <p:cNvPr id="4" name="TextBox 3">
+            <a:extLst>
+              <a:ext uri="{FF2B5EF4-FFF2-40B4-BE49-F238E27FC236}">
+                <a16:creationId xmlns:a16="http://schemas.microsoft.com/office/drawing/2014/main" id="{A7454BCD-3F88-9905-117C-1AE825F6E254}"/>
+              </a:ext>
+            </a:extLst>
+          </p:cNvPr>
+          <p:cNvSpPr txBox="1"/>
+          <p:nvPr/>
+        </p:nvSpPr>
+        <p:spPr>
+          <a:xfrm>
+            <a:off x="170033" y="1230430"/>
+            <a:ext cx="4623641" cy="4832092"/>
+          </a:xfrm>
+          <a:prstGeom prst="rect">
+            <a:avLst/>
+          </a:prstGeom>
+          <a:noFill/>
+        </p:spPr>
+        <p:txBody>
+          <a:bodyPr wrap="square" rtlCol="0">
+            <a:spAutoFit/>
+          </a:bodyPr>
+          <a:lstStyle/>
+          <a:p>
+            <a:r>
+              <a:rPr lang="en-US" sz="1400" dirty="0">
+                <a:latin typeface="Calibri" panose="020F0502020204030204" pitchFamily="34" charset="0"/>
+                <a:cs typeface="Calibri" panose="020F0502020204030204" pitchFamily="34" charset="0"/>
+              </a:rPr>
+              <a:t>At cold weather electric charges have difficulty charging the batteries. And diesel tractor has difficulty starting.</a:t>
+            </a:r>
+          </a:p>
+          <a:p>
+            <a:endParaRPr lang="en-US" sz="1400" dirty="0">
+              <a:latin typeface="Calibri" panose="020F0502020204030204" pitchFamily="34" charset="0"/>
+              <a:cs typeface="Calibri" panose="020F0502020204030204" pitchFamily="34" charset="0"/>
+            </a:endParaRPr>
+          </a:p>
+          <a:p>
+            <a:r>
+              <a:rPr lang="en-US" sz="1400" dirty="0">
+                <a:latin typeface="Calibri" panose="020F0502020204030204" pitchFamily="34" charset="0"/>
+                <a:cs typeface="Calibri" panose="020F0502020204030204" pitchFamily="34" charset="0"/>
+              </a:rPr>
+              <a:t>Idea is to create an enclosure (12' x 6' x 6') </a:t>
+            </a:r>
+          </a:p>
+          <a:p>
+            <a:r>
+              <a:rPr lang="en-US" sz="1400" dirty="0">
+                <a:latin typeface="Calibri" panose="020F0502020204030204" pitchFamily="34" charset="0"/>
+                <a:cs typeface="Calibri" panose="020F0502020204030204" pitchFamily="34" charset="0"/>
+              </a:rPr>
+              <a:t>and warm equipment inside it.</a:t>
+            </a:r>
+          </a:p>
+          <a:p>
+            <a:endParaRPr lang="en-US" sz="1400" dirty="0">
+              <a:latin typeface="Calibri" panose="020F0502020204030204" pitchFamily="34" charset="0"/>
+              <a:cs typeface="Calibri" panose="020F0502020204030204" pitchFamily="34" charset="0"/>
+            </a:endParaRPr>
+          </a:p>
+          <a:p>
+            <a:r>
+              <a:rPr lang="en-US" sz="1400" dirty="0">
+                <a:latin typeface="Calibri" panose="020F0502020204030204" pitchFamily="34" charset="0"/>
+                <a:cs typeface="Calibri" panose="020F0502020204030204" pitchFamily="34" charset="0"/>
+              </a:rPr>
+              <a:t>This size is big enough (</a:t>
+            </a:r>
+            <a:r>
+              <a:rPr lang="en-US" sz="1400" dirty="0" err="1">
+                <a:latin typeface="Calibri" panose="020F0502020204030204" pitchFamily="34" charset="0"/>
+                <a:cs typeface="Calibri" panose="020F0502020204030204" pitchFamily="34" charset="0"/>
+              </a:rPr>
+              <a:t>approx</a:t>
+            </a:r>
+            <a:r>
+              <a:rPr lang="en-US" sz="1400" dirty="0">
+                <a:latin typeface="Calibri" panose="020F0502020204030204" pitchFamily="34" charset="0"/>
+                <a:cs typeface="Calibri" panose="020F0502020204030204" pitchFamily="34" charset="0"/>
+              </a:rPr>
+              <a:t> 4×2×2 meters) to fit a tractor with a snow blower. It can definitely fit a walk-behind snowblower and multiple electric chargers.</a:t>
+            </a:r>
+          </a:p>
+          <a:p>
+            <a:endParaRPr lang="en-US" sz="1400" dirty="0">
+              <a:latin typeface="Calibri" panose="020F0502020204030204" pitchFamily="34" charset="0"/>
+              <a:cs typeface="Calibri" panose="020F0502020204030204" pitchFamily="34" charset="0"/>
+            </a:endParaRPr>
+          </a:p>
+          <a:p>
+            <a:r>
+              <a:rPr lang="en-US" sz="1400" dirty="0">
+                <a:latin typeface="Calibri" panose="020F0502020204030204" pitchFamily="34" charset="0"/>
+                <a:cs typeface="Calibri" panose="020F0502020204030204" pitchFamily="34" charset="0"/>
+              </a:rPr>
+              <a:t>We can use a canopy, portable car shelter (garage) canopy, or a green house. </a:t>
+            </a:r>
+            <a:endParaRPr lang="en-US" sz="1400" dirty="0">
+              <a:latin typeface="fkGroteskNeue"/>
+            </a:endParaRPr>
+          </a:p>
+          <a:p>
+            <a:r>
+              <a:rPr lang="en-US" sz="1400" dirty="0">
+                <a:latin typeface="fkGroteskNeue"/>
+                <a:cs typeface="Calibri" panose="020F0502020204030204" pitchFamily="34" charset="0"/>
+              </a:rPr>
+              <a:t>Or create a DIY construction - </a:t>
+            </a:r>
+            <a:r>
+              <a:rPr lang="en-US" sz="1400" dirty="0">
+                <a:latin typeface="Calibri" panose="020F0502020204030204" pitchFamily="34" charset="0"/>
+                <a:cs typeface="Calibri" panose="020F0502020204030204" pitchFamily="34" charset="0"/>
+              </a:rPr>
+              <a:t>a light rectangular frame made of PVC tubes hanging above tractor, then hang tarp walls around the tractor (and put tarp on top)</a:t>
+            </a:r>
+          </a:p>
+          <a:p>
+            <a:endParaRPr lang="en-US" sz="1400" dirty="0">
+              <a:latin typeface="Calibri" panose="020F0502020204030204" pitchFamily="34" charset="0"/>
+              <a:cs typeface="Calibri" panose="020F0502020204030204" pitchFamily="34" charset="0"/>
+            </a:endParaRPr>
+          </a:p>
+          <a:p>
+            <a:r>
+              <a:rPr lang="en-US" sz="1400" dirty="0">
+                <a:latin typeface="Calibri" panose="020F0502020204030204" pitchFamily="34" charset="0"/>
+                <a:cs typeface="Calibri" panose="020F0502020204030204" pitchFamily="34" charset="0"/>
+              </a:rPr>
+              <a:t>Then push the hot air from a portable heater (with thermostat and overheat protection). </a:t>
+            </a:r>
+            <a:br>
+              <a:rPr lang="en-US" sz="1400" dirty="0">
+                <a:latin typeface="Calibri" panose="020F0502020204030204" pitchFamily="34" charset="0"/>
+                <a:cs typeface="Calibri" panose="020F0502020204030204" pitchFamily="34" charset="0"/>
+              </a:rPr>
+            </a:br>
+            <a:r>
+              <a:rPr lang="en-US" sz="1400" dirty="0">
+                <a:latin typeface="Calibri" panose="020F0502020204030204" pitchFamily="34" charset="0"/>
+                <a:cs typeface="Calibri" panose="020F0502020204030204" pitchFamily="34" charset="0"/>
+              </a:rPr>
+              <a:t>For example:</a:t>
+            </a:r>
+          </a:p>
+          <a:p>
+            <a:pPr marL="285750" indent="-285750">
+              <a:buFont typeface="Arial" panose="020B0604020202020204" pitchFamily="34" charset="0"/>
+              <a:buChar char="•"/>
+            </a:pPr>
+            <a:r>
+              <a:rPr lang="en-US" sz="1400" dirty="0">
+                <a:latin typeface="Calibri" panose="020F0502020204030204" pitchFamily="34" charset="0"/>
+                <a:cs typeface="Calibri" panose="020F0502020204030204" pitchFamily="34" charset="0"/>
+              </a:rPr>
+              <a:t>King Electric PSH1215T Portable Utility Heater</a:t>
+            </a:r>
+          </a:p>
+          <a:p>
+            <a:pPr marL="285750" indent="-285750">
+              <a:buFont typeface="Arial" panose="020B0604020202020204" pitchFamily="34" charset="0"/>
+              <a:buChar char="•"/>
+            </a:pPr>
+            <a:r>
+              <a:rPr lang="en-US" sz="1400" dirty="0" err="1">
+                <a:latin typeface="Calibri" panose="020F0502020204030204" pitchFamily="34" charset="0"/>
+                <a:cs typeface="Calibri" panose="020F0502020204030204" pitchFamily="34" charset="0"/>
+              </a:rPr>
+              <a:t>QMark</a:t>
+            </a:r>
+            <a:r>
+              <a:rPr lang="en-US" sz="1400" dirty="0">
+                <a:latin typeface="Calibri" panose="020F0502020204030204" pitchFamily="34" charset="0"/>
+                <a:cs typeface="Calibri" panose="020F0502020204030204" pitchFamily="34" charset="0"/>
+              </a:rPr>
+              <a:t> Portable Utility Heater (MMHD)</a:t>
+            </a:r>
+          </a:p>
+          <a:p>
+            <a:pPr marL="285750" indent="-285750">
+              <a:buFont typeface="Arial" panose="020B0604020202020204" pitchFamily="34" charset="0"/>
+              <a:buChar char="•"/>
+            </a:pPr>
+            <a:r>
+              <a:rPr lang="en-US" sz="1400" dirty="0">
+                <a:latin typeface="Calibri" panose="020F0502020204030204" pitchFamily="34" charset="0"/>
+                <a:cs typeface="Calibri" panose="020F0502020204030204" pitchFamily="34" charset="0"/>
+              </a:rPr>
+              <a:t>Lasko Ceramic Heater 754200 </a:t>
+            </a:r>
+          </a:p>
+        </p:txBody>
+      </p:sp>
+      <p:pic>
+        <p:nvPicPr>
+          <p:cNvPr id="5" name="Picture 2" descr="KING PSH1215T Yellow Jacket Portable Shop Heater w/Thermostat, 1500W / 120V">
+            <a:extLst>
+              <a:ext uri="{FF2B5EF4-FFF2-40B4-BE49-F238E27FC236}">
+                <a16:creationId xmlns:a16="http://schemas.microsoft.com/office/drawing/2014/main" id="{2EC226A0-6508-B8B4-B1D7-FDE48D14CD32}"/>
+              </a:ext>
+            </a:extLst>
+          </p:cNvPr>
+          <p:cNvPicPr>
+            <a:picLocks noChangeAspect="1" noChangeArrowheads="1"/>
+          </p:cNvPicPr>
+          <p:nvPr/>
+        </p:nvPicPr>
+        <p:blipFill>
+          <a:blip r:embed="rId2" cstate="email">
+            <a:extLst>
+              <a:ext uri="{28A0092B-C50C-407E-A947-70E740481C1C}">
+                <a14:useLocalDpi xmlns:a14="http://schemas.microsoft.com/office/drawing/2010/main"/>
+              </a:ext>
+            </a:extLst>
+          </a:blip>
+          <a:srcRect/>
+          <a:stretch>
+            <a:fillRect/>
+          </a:stretch>
+        </p:blipFill>
+        <p:spPr bwMode="auto">
+          <a:xfrm>
+            <a:off x="5130250" y="4448905"/>
+            <a:ext cx="2549433" cy="2079381"/>
+          </a:xfrm>
+          <a:prstGeom prst="rect">
+            <a:avLst/>
+          </a:prstGeom>
+          <a:noFill/>
+          <a:extLst>
+            <a:ext uri="{909E8E84-426E-40DD-AFC4-6F175D3DCCD1}">
+              <a14:hiddenFill xmlns:a14="http://schemas.microsoft.com/office/drawing/2010/main">
+                <a:solidFill>
+                  <a:srgbClr val="FFFFFF"/>
+                </a:solidFill>
+              </a14:hiddenFill>
+            </a:ext>
+          </a:extLst>
+        </p:spPr>
+      </p:pic>
+      <p:pic>
+        <p:nvPicPr>
+          <p:cNvPr id="6" name="Picture 4" descr="Lasko Desktop Electric Ceramic Space Heater with Adjustable Thermostat, 2 Heat Settings and Fan Only Mode, 9.2 Inches, Sil...">
+            <a:extLst>
+              <a:ext uri="{FF2B5EF4-FFF2-40B4-BE49-F238E27FC236}">
+                <a16:creationId xmlns:a16="http://schemas.microsoft.com/office/drawing/2014/main" id="{A4263724-4240-44D1-7A01-FFFDE1F5FEC4}"/>
+              </a:ext>
+            </a:extLst>
+          </p:cNvPr>
+          <p:cNvPicPr>
+            <a:picLocks noChangeAspect="1" noChangeArrowheads="1"/>
+          </p:cNvPicPr>
+          <p:nvPr/>
+        </p:nvPicPr>
+        <p:blipFill>
+          <a:blip r:embed="rId3" cstate="email">
+            <a:extLst>
+              <a:ext uri="{28A0092B-C50C-407E-A947-70E740481C1C}">
+                <a14:useLocalDpi xmlns:a14="http://schemas.microsoft.com/office/drawing/2010/main"/>
+              </a:ext>
+            </a:extLst>
+          </a:blip>
+          <a:srcRect/>
+          <a:stretch>
+            <a:fillRect/>
+          </a:stretch>
+        </p:blipFill>
+        <p:spPr bwMode="auto">
+          <a:xfrm>
+            <a:off x="10929662" y="4767015"/>
+            <a:ext cx="1019726" cy="1348398"/>
+          </a:xfrm>
+          <a:prstGeom prst="rect">
+            <a:avLst/>
+          </a:prstGeom>
+          <a:noFill/>
+          <a:extLst>
+            <a:ext uri="{909E8E84-426E-40DD-AFC4-6F175D3DCCD1}">
+              <a14:hiddenFill xmlns:a14="http://schemas.microsoft.com/office/drawing/2010/main">
+                <a:solidFill>
+                  <a:srgbClr val="FFFFFF"/>
+                </a:solidFill>
+              </a14:hiddenFill>
+            </a:ext>
+          </a:extLst>
+        </p:spPr>
+      </p:pic>
+      <p:pic>
+        <p:nvPicPr>
+          <p:cNvPr id="1030" name="Picture 6" descr="Qmark MMHD1502T Deluxe Portable Fan Forced Utility Heater - MMHD White Baked Enamel">
+            <a:extLst>
+              <a:ext uri="{FF2B5EF4-FFF2-40B4-BE49-F238E27FC236}">
+                <a16:creationId xmlns:a16="http://schemas.microsoft.com/office/drawing/2014/main" id="{EDF126DC-0177-B29A-43F9-D00DA4530583}"/>
+              </a:ext>
+            </a:extLst>
+          </p:cNvPr>
+          <p:cNvPicPr>
+            <a:picLocks noChangeAspect="1" noChangeArrowheads="1"/>
+          </p:cNvPicPr>
+          <p:nvPr/>
+        </p:nvPicPr>
+        <p:blipFill>
+          <a:blip r:embed="rId4" cstate="email">
+            <a:extLst>
+              <a:ext uri="{28A0092B-C50C-407E-A947-70E740481C1C}">
+                <a14:useLocalDpi xmlns:a14="http://schemas.microsoft.com/office/drawing/2010/main"/>
+              </a:ext>
+            </a:extLst>
+          </a:blip>
+          <a:srcRect/>
+          <a:stretch>
+            <a:fillRect/>
+          </a:stretch>
+        </p:blipFill>
+        <p:spPr bwMode="auto">
+          <a:xfrm>
+            <a:off x="8539476" y="4091840"/>
+            <a:ext cx="1530393" cy="2436446"/>
+          </a:xfrm>
+          <a:prstGeom prst="rect">
+            <a:avLst/>
+          </a:prstGeom>
+          <a:noFill/>
+          <a:extLst>
+            <a:ext uri="{909E8E84-426E-40DD-AFC4-6F175D3DCCD1}">
+              <a14:hiddenFill xmlns:a14="http://schemas.microsoft.com/office/drawing/2010/main">
+                <a:solidFill>
+                  <a:srgbClr val="FFFFFF"/>
+                </a:solidFill>
+              </a14:hiddenFill>
+            </a:ext>
+          </a:extLst>
+        </p:spPr>
+      </p:pic>
+      <p:pic>
+        <p:nvPicPr>
+          <p:cNvPr id="1026" name="Picture 2">
+            <a:extLst>
+              <a:ext uri="{FF2B5EF4-FFF2-40B4-BE49-F238E27FC236}">
+                <a16:creationId xmlns:a16="http://schemas.microsoft.com/office/drawing/2014/main" id="{2ED18D4B-5A66-5B97-2FB0-14C530943461}"/>
+              </a:ext>
+            </a:extLst>
+          </p:cNvPr>
+          <p:cNvPicPr>
+            <a:picLocks noChangeAspect="1" noChangeArrowheads="1"/>
+          </p:cNvPicPr>
+          <p:nvPr/>
+        </p:nvPicPr>
+        <p:blipFill>
+          <a:blip r:embed="rId5" cstate="email">
+            <a:extLst>
+              <a:ext uri="{28A0092B-C50C-407E-A947-70E740481C1C}">
+                <a14:useLocalDpi xmlns:a14="http://schemas.microsoft.com/office/drawing/2010/main"/>
+              </a:ext>
+            </a:extLst>
+          </a:blip>
+          <a:srcRect/>
+          <a:stretch>
+            <a:fillRect/>
+          </a:stretch>
+        </p:blipFill>
+        <p:spPr bwMode="auto">
+          <a:xfrm>
+            <a:off x="5586433" y="1230430"/>
+            <a:ext cx="2442235" cy="2418351"/>
+          </a:xfrm>
+          <a:prstGeom prst="rect">
+            <a:avLst/>
+          </a:prstGeom>
+          <a:noFill/>
+          <a:extLst>
+            <a:ext uri="{909E8E84-426E-40DD-AFC4-6F175D3DCCD1}">
+              <a14:hiddenFill xmlns:a14="http://schemas.microsoft.com/office/drawing/2010/main">
+                <a:solidFill>
+                  <a:srgbClr val="FFFFFF"/>
+                </a:solidFill>
+              </a14:hiddenFill>
+            </a:ext>
+          </a:extLst>
+        </p:spPr>
+      </p:pic>
+      <p:pic>
+        <p:nvPicPr>
+          <p:cNvPr id="1028" name="Picture 4">
+            <a:extLst>
+              <a:ext uri="{FF2B5EF4-FFF2-40B4-BE49-F238E27FC236}">
+                <a16:creationId xmlns:a16="http://schemas.microsoft.com/office/drawing/2014/main" id="{1F7F18C9-9C3A-AA1E-E455-724E4B9236E6}"/>
+              </a:ext>
+            </a:extLst>
+          </p:cNvPr>
+          <p:cNvPicPr>
+            <a:picLocks noChangeAspect="1" noChangeArrowheads="1"/>
+          </p:cNvPicPr>
+          <p:nvPr/>
+        </p:nvPicPr>
+        <p:blipFill rotWithShape="1">
+          <a:blip r:embed="rId6" cstate="email">
+            <a:extLst>
+              <a:ext uri="{28A0092B-C50C-407E-A947-70E740481C1C}">
+                <a14:useLocalDpi xmlns:a14="http://schemas.microsoft.com/office/drawing/2010/main"/>
+              </a:ext>
+            </a:extLst>
+          </a:blip>
+          <a:srcRect/>
+          <a:stretch>
+            <a:fillRect/>
+          </a:stretch>
+        </p:blipFill>
+        <p:spPr bwMode="auto">
+          <a:xfrm>
+            <a:off x="9507821" y="2417070"/>
+            <a:ext cx="2086789" cy="1011930"/>
+          </a:xfrm>
+          <a:prstGeom prst="rect">
+            <a:avLst/>
+          </a:prstGeom>
+          <a:noFill/>
+          <a:extLst>
+            <a:ext uri="{909E8E84-426E-40DD-AFC4-6F175D3DCCD1}">
+              <a14:hiddenFill xmlns:a14="http://schemas.microsoft.com/office/drawing/2010/main">
+                <a:solidFill>
+                  <a:srgbClr val="FFFFFF"/>
+                </a:solidFill>
+              </a14:hiddenFill>
+            </a:ext>
+          </a:extLst>
+        </p:spPr>
+      </p:pic>
+      <p:pic>
+        <p:nvPicPr>
+          <p:cNvPr id="9" name="Picture 6" descr="10x10 X7 Tectonic Canopy - Ultra ...">
+            <a:extLst>
+              <a:ext uri="{FF2B5EF4-FFF2-40B4-BE49-F238E27FC236}">
+                <a16:creationId xmlns:a16="http://schemas.microsoft.com/office/drawing/2014/main" id="{DC224871-106B-ED19-DEC9-83EC4D14455D}"/>
+              </a:ext>
+            </a:extLst>
+          </p:cNvPr>
+          <p:cNvPicPr>
+            <a:picLocks noChangeAspect="1" noChangeArrowheads="1"/>
+          </p:cNvPicPr>
+          <p:nvPr/>
+        </p:nvPicPr>
+        <p:blipFill rotWithShape="1">
+          <a:blip r:embed="rId7" cstate="email">
+            <a:extLst>
+              <a:ext uri="{28A0092B-C50C-407E-A947-70E740481C1C}">
+                <a14:useLocalDpi xmlns:a14="http://schemas.microsoft.com/office/drawing/2010/main"/>
+              </a:ext>
+            </a:extLst>
+          </a:blip>
+          <a:srcRect/>
+          <a:stretch>
+            <a:fillRect/>
+          </a:stretch>
+        </p:blipFill>
+        <p:spPr bwMode="auto">
+          <a:xfrm>
+            <a:off x="9176259" y="329714"/>
+            <a:ext cx="2418351" cy="1934308"/>
+          </a:xfrm>
+          <a:prstGeom prst="rect">
+            <a:avLst/>
+          </a:prstGeom>
+          <a:noFill/>
+          <a:extLst>
+            <a:ext uri="{909E8E84-426E-40DD-AFC4-6F175D3DCCD1}">
+              <a14:hiddenFill xmlns:a14="http://schemas.microsoft.com/office/drawing/2010/main">
+                <a:solidFill>
+                  <a:srgbClr val="FFFFFF"/>
+                </a:solidFill>
+              </a14:hiddenFill>
+            </a:ext>
+          </a:extLst>
+        </p:spPr>
+      </p:pic>
+    </p:spTree>
+    <p:extLst>
+      <p:ext uri="{BB962C8B-B14F-4D97-AF65-F5344CB8AC3E}">
+        <p14:creationId xmlns:p14="http://schemas.microsoft.com/office/powerpoint/2010/main" val="179644997"/>
+      </p:ext>
+    </p:extLst>
+  </p:cSld>
+  <p:clrMapOvr>
+    <a:masterClrMapping/>
+  </p:clrMapOvr>
+</p:sld>
+</file>
+
+<file path=ppt/slides/slide7.xml><?xml version="1.0" encoding="utf-8"?>
 <p:sld xmlns:a="http://schemas.openxmlformats.org/drawingml/2006/main" xmlns:r="http://schemas.openxmlformats.org/officeDocument/2006/relationships" xmlns:p="http://schemas.openxmlformats.org/presentationml/2006/main">
   <p:cSld>
     <p:spTree>
@@ -6699,7 +7252,7 @@
 </p:sld>
 </file>
 
-<file path=ppt/slides/slide7.xml><?xml version="1.0" encoding="utf-8"?>
+<file path=ppt/slides/slide8.xml><?xml version="1.0" encoding="utf-8"?>
 <p:sld xmlns:a="http://schemas.openxmlformats.org/drawingml/2006/main" xmlns:r="http://schemas.openxmlformats.org/officeDocument/2006/relationships" xmlns:p="http://schemas.openxmlformats.org/presentationml/2006/main">
   <p:cSld>
     <p:spTree>

--- a/tractor_jd_1025r_X758.pptx
+++ b/tractor_jd_1025r_X758.pptx
@@ -10,9 +10,10 @@
     <p:sldId id="264" r:id="rId4"/>
     <p:sldId id="266" r:id="rId5"/>
     <p:sldId id="261" r:id="rId6"/>
-    <p:sldId id="267" r:id="rId7"/>
-    <p:sldId id="265" r:id="rId8"/>
-    <p:sldId id="263" r:id="rId9"/>
+    <p:sldId id="268" r:id="rId7"/>
+    <p:sldId id="267" r:id="rId8"/>
+    <p:sldId id="265" r:id="rId9"/>
+    <p:sldId id="263" r:id="rId10"/>
   </p:sldIdLst>
   <p:sldSz cx="12192000" cy="6858000"/>
   <p:notesSz cx="6858000" cy="9144000"/>
@@ -265,7 +266,7 @@
           <a:lstStyle/>
           <a:p>
             <a:fld id="{16286276-9013-2A43-82D1-BA4685C95117}" type="datetimeFigureOut">
-              <a:t>1/24/26</a:t>
+              <a:t>1/29/26</a:t>
             </a:fld>
             <a:endParaRPr lang="en-US"/>
           </a:p>
@@ -461,7 +462,7 @@
           <a:lstStyle/>
           <a:p>
             <a:fld id="{16286276-9013-2A43-82D1-BA4685C95117}" type="datetimeFigureOut">
-              <a:t>1/24/26</a:t>
+              <a:t>1/29/26</a:t>
             </a:fld>
             <a:endParaRPr lang="en-US"/>
           </a:p>
@@ -667,7 +668,7 @@
           <a:lstStyle/>
           <a:p>
             <a:fld id="{16286276-9013-2A43-82D1-BA4685C95117}" type="datetimeFigureOut">
-              <a:t>1/24/26</a:t>
+              <a:t>1/29/26</a:t>
             </a:fld>
             <a:endParaRPr lang="en-US"/>
           </a:p>
@@ -863,7 +864,7 @@
           <a:lstStyle/>
           <a:p>
             <a:fld id="{16286276-9013-2A43-82D1-BA4685C95117}" type="datetimeFigureOut">
-              <a:t>1/24/26</a:t>
+              <a:t>1/29/26</a:t>
             </a:fld>
             <a:endParaRPr lang="en-US"/>
           </a:p>
@@ -1136,7 +1137,7 @@
           <a:lstStyle/>
           <a:p>
             <a:fld id="{16286276-9013-2A43-82D1-BA4685C95117}" type="datetimeFigureOut">
-              <a:t>1/24/26</a:t>
+              <a:t>1/29/26</a:t>
             </a:fld>
             <a:endParaRPr lang="en-US"/>
           </a:p>
@@ -1399,7 +1400,7 @@
           <a:lstStyle/>
           <a:p>
             <a:fld id="{16286276-9013-2A43-82D1-BA4685C95117}" type="datetimeFigureOut">
-              <a:t>1/24/26</a:t>
+              <a:t>1/29/26</a:t>
             </a:fld>
             <a:endParaRPr lang="en-US"/>
           </a:p>
@@ -1809,7 +1810,7 @@
           <a:lstStyle/>
           <a:p>
             <a:fld id="{16286276-9013-2A43-82D1-BA4685C95117}" type="datetimeFigureOut">
-              <a:t>1/24/26</a:t>
+              <a:t>1/29/26</a:t>
             </a:fld>
             <a:endParaRPr lang="en-US"/>
           </a:p>
@@ -1948,7 +1949,7 @@
           <a:lstStyle/>
           <a:p>
             <a:fld id="{16286276-9013-2A43-82D1-BA4685C95117}" type="datetimeFigureOut">
-              <a:t>1/24/26</a:t>
+              <a:t>1/29/26</a:t>
             </a:fld>
             <a:endParaRPr lang="en-US"/>
           </a:p>
@@ -2059,7 +2060,7 @@
           <a:lstStyle/>
           <a:p>
             <a:fld id="{16286276-9013-2A43-82D1-BA4685C95117}" type="datetimeFigureOut">
-              <a:t>1/24/26</a:t>
+              <a:t>1/29/26</a:t>
             </a:fld>
             <a:endParaRPr lang="en-US"/>
           </a:p>
@@ -2368,7 +2369,7 @@
           <a:lstStyle/>
           <a:p>
             <a:fld id="{16286276-9013-2A43-82D1-BA4685C95117}" type="datetimeFigureOut">
-              <a:t>1/24/26</a:t>
+              <a:t>1/29/26</a:t>
             </a:fld>
             <a:endParaRPr lang="en-US"/>
           </a:p>
@@ -2654,7 +2655,7 @@
           <a:lstStyle/>
           <a:p>
             <a:fld id="{16286276-9013-2A43-82D1-BA4685C95117}" type="datetimeFigureOut">
-              <a:t>1/24/26</a:t>
+              <a:t>1/29/26</a:t>
             </a:fld>
             <a:endParaRPr lang="en-US"/>
           </a:p>
@@ -2893,7 +2894,7 @@
           </a:lstStyle>
           <a:p>
             <a:fld id="{16286276-9013-2A43-82D1-BA4685C95117}" type="datetimeFigureOut">
-              <a:t>1/24/26</a:t>
+              <a:t>1/29/26</a:t>
             </a:fld>
             <a:endParaRPr lang="en-US"/>
           </a:p>
@@ -5885,7 +5886,7 @@
         <p:spPr>
           <a:xfrm>
             <a:off x="5181599" y="186268"/>
-            <a:ext cx="6863281" cy="6401753"/>
+            <a:ext cx="6863281" cy="4893647"/>
           </a:xfrm>
           <a:prstGeom prst="rect">
             <a:avLst/>
@@ -5927,7 +5928,15 @@
             </a:r>
             <a:r>
               <a:rPr lang="en-US" sz="1400" dirty="0"/>
-              <a:t>: above -15°C (5°F) - standard 15W-40 oil;  below - lower viscosity 0W-40 or 5W-40 synthetic diesel oil</a:t>
+              <a:t>: use lower viscosity 0W-40 or 5W-40 </a:t>
+            </a:r>
+            <a:r>
+              <a:rPr lang="en-US" sz="1400" b="1" dirty="0">
+                <a:solidFill>
+                  <a:srgbClr val="00B0F0"/>
+                </a:solidFill>
+              </a:rPr>
+              <a:t>synthetic diesel oil</a:t>
             </a:r>
           </a:p>
           <a:p>
@@ -5941,11 +5950,23 @@
                   <a:srgbClr val="FF0000"/>
                 </a:solidFill>
               </a:rPr>
-              <a:t>Engine Warm-Up </a:t>
+              <a:t>Hydraulic fluid </a:t>
             </a:r>
             <a:r>
               <a:rPr lang="en-US" sz="1400" dirty="0"/>
-              <a:t>- the X758 has glow plugs that warm the cylinders before starting.  Turn the key to the "ON" position, wait for the glow plug indicator light (squiggly line) to go off before cranking the engine</a:t>
+              <a:t>– </a:t>
+            </a:r>
+            <a:r>
+              <a:rPr lang="en-US" sz="1400" b="1" dirty="0">
+                <a:solidFill>
+                  <a:srgbClr val="00B0F0"/>
+                </a:solidFill>
+              </a:rPr>
+              <a:t>use premium synthetic hydraulic fluids with cold-flow improvers</a:t>
+            </a:r>
+            <a:r>
+              <a:rPr lang="en-US" sz="1400" dirty="0"/>
+              <a:t>. </a:t>
             </a:r>
           </a:p>
           <a:p>
@@ -5959,11 +5980,18 @@
                   <a:srgbClr val="FF0000"/>
                 </a:solidFill>
               </a:rPr>
-              <a:t>Engine block heater</a:t>
+              <a:t>Fuel Additives (anti-gel additives) </a:t>
             </a:r>
             <a:r>
               <a:rPr lang="en-US" sz="1400" dirty="0"/>
-              <a:t> – JD engine </a:t>
+              <a:t>– need to be added at temperatures below -12°C (10-15°F), they prevent wax crystals from sticking together, and disperse moisture to prevent ice formation in fuel filters. </a:t>
+            </a:r>
+            <a:br>
+              <a:rPr lang="en-US" sz="1400" dirty="0"/>
+            </a:br>
+            <a:r>
+              <a:rPr lang="en-US" sz="1400" dirty="0"/>
+              <a:t>Products like </a:t>
             </a:r>
             <a:r>
               <a:rPr lang="en-US" sz="1400" b="1" dirty="0">
@@ -5971,11 +5999,15 @@
                   <a:srgbClr val="00B0F0"/>
                 </a:solidFill>
               </a:rPr>
-              <a:t>coolant heater (part number AR87167)</a:t>
-            </a:r>
-            <a:r>
-              <a:rPr lang="en-US" sz="1400" dirty="0"/>
-              <a:t> requires an </a:t>
+              <a:t>Hot Shot's Secret Diesel Winter Anti-Gel or </a:t>
+            </a:r>
+            <a:r>
+              <a:rPr lang="en-US" sz="1400" b="1" dirty="0" err="1">
+                <a:solidFill>
+                  <a:srgbClr val="00B0F0"/>
+                </a:solidFill>
+              </a:rPr>
+              <a:t>Archoil</a:t>
             </a:r>
             <a:r>
               <a:rPr lang="en-US" sz="1400" b="1" dirty="0">
@@ -5983,23 +6015,47 @@
                   <a:srgbClr val="00B0F0"/>
                 </a:solidFill>
               </a:rPr>
-              <a:t>adapter kit (MIA881629) </a:t>
+              <a:t> AR6300 </a:t>
             </a:r>
             <a:r>
               <a:rPr lang="en-US" sz="1400" dirty="0"/>
-              <a:t>for installation on the X758 and should be plugged in for at least </a:t>
-            </a:r>
+              <a:t>can protect diesel fuel down to -40°F (-40°C) when used at every fill-up. The additives should be mixed with fuel before temperatures drop, as </a:t>
+            </a:r>
+            <a:r>
+              <a:rPr lang="en-US" sz="1400" dirty="0">
+                <a:solidFill>
+                  <a:srgbClr val="00B0F0"/>
+                </a:solidFill>
+              </a:rPr>
+              <a:t>they cannot reverse gelling once it has already occurred</a:t>
+            </a:r>
+            <a:r>
+              <a:rPr lang="en-US" sz="1400" dirty="0"/>
+              <a:t>.</a:t>
+            </a:r>
+          </a:p>
+          <a:p>
+            <a:r>
+              <a:rPr lang="en-US" sz="1400" dirty="0"/>
+              <a:t>------------------------------------------------</a:t>
+            </a:r>
+          </a:p>
+          <a:p>
+            <a:pPr marL="285750" indent="-285750">
+              <a:buFont typeface="Courier New" panose="02070309020205020404" pitchFamily="49" charset="0"/>
+              <a:buChar char="o"/>
+            </a:pPr>
             <a:r>
               <a:rPr lang="en-US" sz="1400" b="1" dirty="0">
                 <a:solidFill>
                   <a:srgbClr val="FF0000"/>
                 </a:solidFill>
               </a:rPr>
-              <a:t>one hour before starting</a:t>
+              <a:t>Keep fuel tank full </a:t>
             </a:r>
             <a:r>
               <a:rPr lang="en-US" sz="1400" dirty="0"/>
-              <a:t>.</a:t>
+              <a:t>to reduce air space and reduce moisture condensation inside the tank which can freeze and cause additional fuel system blockages. The anti-gel additive should be added to the tank before filling so it mixes thoroughly with the incoming fuel.</a:t>
             </a:r>
           </a:p>
           <a:p>
@@ -6013,11 +6069,11 @@
                   <a:srgbClr val="FF0000"/>
                 </a:solidFill>
               </a:rPr>
-              <a:t>Hydraulic fluid </a:t>
+              <a:t>Engine block heater</a:t>
             </a:r>
             <a:r>
               <a:rPr lang="en-US" sz="1400" dirty="0"/>
-              <a:t>– </a:t>
+              <a:t> – JD engine </a:t>
             </a:r>
             <a:r>
               <a:rPr lang="en-US" sz="1400" b="1" dirty="0">
@@ -6025,11 +6081,35 @@
                   <a:srgbClr val="00B0F0"/>
                 </a:solidFill>
               </a:rPr>
-              <a:t>use premium synthetic hydraulic fluids with cold-flow improvers</a:t>
+              <a:t>coolant heater (part number AR87167)</a:t>
             </a:r>
             <a:r>
               <a:rPr lang="en-US" sz="1400" dirty="0"/>
-              <a:t>. </a:t>
+              <a:t> requires an </a:t>
+            </a:r>
+            <a:r>
+              <a:rPr lang="en-US" sz="1400" b="1" dirty="0">
+                <a:solidFill>
+                  <a:srgbClr val="00B0F0"/>
+                </a:solidFill>
+              </a:rPr>
+              <a:t>adapter kit (MIA881629) </a:t>
+            </a:r>
+            <a:r>
+              <a:rPr lang="en-US" sz="1400" dirty="0"/>
+              <a:t>for installation on the X758 and should be plugged in for at least </a:t>
+            </a:r>
+            <a:r>
+              <a:rPr lang="en-US" sz="1400" b="1" dirty="0">
+                <a:solidFill>
+                  <a:srgbClr val="FF0000"/>
+                </a:solidFill>
+              </a:rPr>
+              <a:t>one hour before starting</a:t>
+            </a:r>
+            <a:r>
+              <a:rPr lang="en-US" sz="1400" dirty="0"/>
+              <a:t>.</a:t>
             </a:r>
           </a:p>
           <a:p>
@@ -6038,127 +6118,28 @@
               <a:buChar char="o"/>
             </a:pPr>
             <a:r>
-              <a:rPr lang="en-US" sz="1400" dirty="0"/>
-              <a:t>After starting, let the tractor idle for several minutes to allow both the engine and hydraulic oil to warm up before operating implements or the power steering system under load</a:t>
-            </a:r>
-          </a:p>
-          <a:p>
-            <a:pPr marL="285750" indent="-285750">
-              <a:buFont typeface="Courier New" panose="02070309020205020404" pitchFamily="49" charset="0"/>
-              <a:buChar char="o"/>
-            </a:pPr>
-            <a:r>
               <a:rPr lang="en-US" sz="1400" b="1" dirty="0">
                 <a:solidFill>
                   <a:srgbClr val="FF0000"/>
                 </a:solidFill>
               </a:rPr>
-              <a:t>Diesel Fuel </a:t>
+              <a:t>Engine Warm-Up </a:t>
             </a:r>
             <a:r>
               <a:rPr lang="en-US" sz="1400" dirty="0"/>
-              <a:t>- begins gelling at temperatures below -12°C (10-15°F), and at -20°C you'll be well into the danger zone where the fuel solidifies and can no longer flow through the fuel lines and filters </a:t>
-            </a:r>
-          </a:p>
-          <a:p>
-            <a:pPr marL="285750" indent="-285750">
-              <a:buFont typeface="Courier New" panose="02070309020205020404" pitchFamily="49" charset="0"/>
-              <a:buChar char="o"/>
-            </a:pPr>
+              <a:t>- the X758 has glow plugs that warm the cylinders before starting.  Turn the key to the "ON" position, wait for the glow plug indicator light (squiggly line) to go off before cranking the engine. Then let the tractor idle for several minutes to </a:t>
+            </a:r>
             <a:r>
               <a:rPr lang="en-US" sz="1400" b="1" dirty="0">
                 <a:solidFill>
                   <a:srgbClr val="FF0000"/>
                 </a:solidFill>
               </a:rPr>
-              <a:t>Fuel Additives (anti-gel additives) </a:t>
+              <a:t>allow both the engine and hydraulic oil to warm up</a:t>
             </a:r>
             <a:r>
               <a:rPr lang="en-US" sz="1400" dirty="0"/>
-              <a:t>- they lower the cloud point (temperature where wax crystals form), prevent wax crystals from sticking together, and disperse moisture to prevent ice formation in fuel filters. </a:t>
-            </a:r>
-            <a:br>
-              <a:rPr lang="en-US" sz="1400" dirty="0"/>
-            </a:br>
-            <a:r>
-              <a:rPr lang="en-US" sz="1400" dirty="0"/>
-              <a:t>Products like </a:t>
-            </a:r>
-            <a:r>
-              <a:rPr lang="en-US" sz="1400" b="1" dirty="0">
-                <a:solidFill>
-                  <a:srgbClr val="00B0F0"/>
-                </a:solidFill>
-              </a:rPr>
-              <a:t>Hot Shot's Secret Diesel Winter Anti-Gel or </a:t>
-            </a:r>
-            <a:r>
-              <a:rPr lang="en-US" sz="1400" b="1" dirty="0" err="1">
-                <a:solidFill>
-                  <a:srgbClr val="00B0F0"/>
-                </a:solidFill>
-              </a:rPr>
-              <a:t>Archoil</a:t>
-            </a:r>
-            <a:r>
-              <a:rPr lang="en-US" sz="1400" b="1" dirty="0">
-                <a:solidFill>
-                  <a:srgbClr val="00B0F0"/>
-                </a:solidFill>
-              </a:rPr>
-              <a:t> AR6300 </a:t>
-            </a:r>
-            <a:r>
-              <a:rPr lang="en-US" sz="1400" dirty="0"/>
-              <a:t>can protect diesel fuel down to -40°F (-40°C) when used at every fill-up. The additives should be mixed with fuel before temperatures drop, as </a:t>
-            </a:r>
-            <a:r>
-              <a:rPr lang="en-US" sz="1400" dirty="0">
-                <a:solidFill>
-                  <a:srgbClr val="00B0F0"/>
-                </a:solidFill>
-              </a:rPr>
-              <a:t>they cannot reverse gelling once it has already occurred</a:t>
-            </a:r>
-            <a:r>
-              <a:rPr lang="en-US" sz="1400" dirty="0"/>
-              <a:t>.</a:t>
-            </a:r>
-          </a:p>
-          <a:p>
-            <a:pPr marL="285750" indent="-285750">
-              <a:buFont typeface="Courier New" panose="02070309020205020404" pitchFamily="49" charset="0"/>
-              <a:buChar char="o"/>
-            </a:pPr>
-            <a:r>
-              <a:rPr lang="en-US" sz="1400" b="1" dirty="0">
-                <a:solidFill>
-                  <a:srgbClr val="FF0000"/>
-                </a:solidFill>
-              </a:rPr>
-              <a:t>Winter Diesel Fuel  </a:t>
-            </a:r>
-            <a:r>
-              <a:rPr lang="en-US" sz="1400" dirty="0"/>
-              <a:t>(sold in cold regions) - pre-treated for cold weather. For example, in Minnesota during winter, pump diesel is rated to -30°F. But you still need extra fuel additives for -20°C</a:t>
-            </a:r>
-          </a:p>
-          <a:p>
-            <a:pPr marL="285750" indent="-285750">
-              <a:buFont typeface="Courier New" panose="02070309020205020404" pitchFamily="49" charset="0"/>
-              <a:buChar char="o"/>
-            </a:pPr>
-            <a:r>
-              <a:rPr lang="en-US" sz="1400" b="1" dirty="0">
-                <a:solidFill>
-                  <a:srgbClr val="FF0000"/>
-                </a:solidFill>
-              </a:rPr>
-              <a:t>Keep fuel tank full </a:t>
-            </a:r>
-            <a:r>
-              <a:rPr lang="en-US" sz="1400" dirty="0"/>
-              <a:t>to reduce air space and reduce moisture condensation inside the tank which can freeze and cause additional fuel system blockages. The anti-gel additive should be added to the tank before filling so it mixes thoroughly with the incoming fuel.</a:t>
+              <a:t> before operating implements or the power steering system under load</a:t>
             </a:r>
           </a:p>
         </p:txBody>
@@ -6307,6 +6288,482 @@
 </file>
 
 <file path=ppt/slides/slide6.xml><?xml version="1.0" encoding="utf-8"?>
+<p:sld xmlns:a="http://schemas.openxmlformats.org/drawingml/2006/main" xmlns:r="http://schemas.openxmlformats.org/officeDocument/2006/relationships" xmlns:p="http://schemas.openxmlformats.org/presentationml/2006/main">
+  <p:cSld>
+    <p:spTree>
+      <p:nvGrpSpPr>
+        <p:cNvPr id="1" name=""/>
+        <p:cNvGrpSpPr/>
+        <p:nvPr/>
+      </p:nvGrpSpPr>
+      <p:grpSpPr>
+        <a:xfrm>
+          <a:off x="0" y="0"/>
+          <a:ext cx="0" cy="0"/>
+          <a:chOff x="0" y="0"/>
+          <a:chExt cx="0" cy="0"/>
+        </a:xfrm>
+      </p:grpSpPr>
+      <p:sp>
+        <p:nvSpPr>
+          <p:cNvPr id="2" name="TextBox 1">
+            <a:extLst>
+              <a:ext uri="{FF2B5EF4-FFF2-40B4-BE49-F238E27FC236}">
+                <a16:creationId xmlns:a16="http://schemas.microsoft.com/office/drawing/2014/main" id="{775BBD15-AEC2-1815-2347-A5BB8F308263}"/>
+              </a:ext>
+            </a:extLst>
+          </p:cNvPr>
+          <p:cNvSpPr txBox="1"/>
+          <p:nvPr/>
+        </p:nvSpPr>
+        <p:spPr>
+          <a:xfrm>
+            <a:off x="-1" y="0"/>
+            <a:ext cx="6096001" cy="523220"/>
+          </a:xfrm>
+          <a:prstGeom prst="rect">
+            <a:avLst/>
+          </a:prstGeom>
+          <a:noFill/>
+        </p:spPr>
+        <p:txBody>
+          <a:bodyPr wrap="square" rtlCol="0">
+            <a:spAutoFit/>
+          </a:bodyPr>
+          <a:lstStyle/>
+          <a:p>
+            <a:r>
+              <a:rPr lang="en-US" sz="2800" b="1" dirty="0"/>
+              <a:t>John Deere X758 – Fuel Filter Heater</a:t>
+            </a:r>
+          </a:p>
+        </p:txBody>
+      </p:sp>
+      <p:sp>
+        <p:nvSpPr>
+          <p:cNvPr id="4" name="TextBox 3">
+            <a:extLst>
+              <a:ext uri="{FF2B5EF4-FFF2-40B4-BE49-F238E27FC236}">
+                <a16:creationId xmlns:a16="http://schemas.microsoft.com/office/drawing/2014/main" id="{4248EAA2-37A7-21EF-BFB2-53447F6C3A8C}"/>
+              </a:ext>
+            </a:extLst>
+          </p:cNvPr>
+          <p:cNvSpPr txBox="1"/>
+          <p:nvPr/>
+        </p:nvSpPr>
+        <p:spPr>
+          <a:xfrm>
+            <a:off x="128977" y="523220"/>
+            <a:ext cx="5838044" cy="1384995"/>
+          </a:xfrm>
+          <a:prstGeom prst="rect">
+            <a:avLst/>
+          </a:prstGeom>
+          <a:solidFill>
+            <a:schemeClr val="accent4">
+              <a:lumMod val="20000"/>
+              <a:lumOff val="80000"/>
+            </a:schemeClr>
+          </a:solidFill>
+          <a:ln>
+            <a:solidFill>
+              <a:srgbClr val="FF0000"/>
+            </a:solidFill>
+          </a:ln>
+        </p:spPr>
+        <p:txBody>
+          <a:bodyPr wrap="square" rtlCol="0">
+            <a:spAutoFit/>
+          </a:bodyPr>
+          <a:lstStyle/>
+          <a:p>
+            <a:r>
+              <a:rPr lang="en-US" sz="1400" b="1" dirty="0" err="1">
+                <a:solidFill>
+                  <a:srgbClr val="FF0000"/>
+                </a:solidFill>
+              </a:rPr>
+              <a:t>ZeroStart</a:t>
+            </a:r>
+            <a:r>
+              <a:rPr lang="en-US" sz="1400" b="1" dirty="0">
+                <a:solidFill>
+                  <a:srgbClr val="FF0000"/>
+                </a:solidFill>
+              </a:rPr>
+              <a:t> 3400037 </a:t>
+            </a:r>
+            <a:r>
+              <a:rPr lang="en-US" sz="1400" dirty="0"/>
+              <a:t>- 100W 12V flexible silicone wrap measuring 12" x 4", designed for fuel filter diameters between 3.5" and 5.0". It uses </a:t>
+            </a:r>
+            <a:r>
+              <a:rPr lang="en-US" sz="1400" dirty="0" err="1"/>
+              <a:t>velcro</a:t>
+            </a:r>
+            <a:r>
+              <a:rPr lang="en-US" sz="1400" dirty="0"/>
+              <a:t>/hook-and-loop straps to secure around the filter housing and connects directly to your 12V battery with a toggle switch (switch sold separately). </a:t>
+            </a:r>
+          </a:p>
+          <a:p>
+            <a:r>
+              <a:rPr lang="en-US" sz="1400" dirty="0">
+                <a:hlinkClick r:id="rId2"/>
+              </a:rPr>
+              <a:t>https://www.drivetrainamerica.com/3400037-zerostart-flexible-diesel-fuel-warmer-100w-120v-12-x-4/</a:t>
+            </a:r>
+            <a:endParaRPr lang="en-US" sz="1400" dirty="0"/>
+          </a:p>
+        </p:txBody>
+      </p:sp>
+      <p:sp>
+        <p:nvSpPr>
+          <p:cNvPr id="5" name="TextBox 4">
+            <a:extLst>
+              <a:ext uri="{FF2B5EF4-FFF2-40B4-BE49-F238E27FC236}">
+                <a16:creationId xmlns:a16="http://schemas.microsoft.com/office/drawing/2014/main" id="{8039C89E-E08B-184B-D776-5785D7E1A8EC}"/>
+              </a:ext>
+            </a:extLst>
+          </p:cNvPr>
+          <p:cNvSpPr txBox="1"/>
+          <p:nvPr/>
+        </p:nvSpPr>
+        <p:spPr>
+          <a:xfrm>
+            <a:off x="128977" y="1980932"/>
+            <a:ext cx="5838044" cy="1384995"/>
+          </a:xfrm>
+          <a:prstGeom prst="rect">
+            <a:avLst/>
+          </a:prstGeom>
+          <a:solidFill>
+            <a:schemeClr val="accent4">
+              <a:lumMod val="20000"/>
+              <a:lumOff val="80000"/>
+            </a:schemeClr>
+          </a:solidFill>
+          <a:ln>
+            <a:solidFill>
+              <a:srgbClr val="FF0000"/>
+            </a:solidFill>
+          </a:ln>
+        </p:spPr>
+        <p:txBody>
+          <a:bodyPr wrap="square" rtlCol="0">
+            <a:spAutoFit/>
+          </a:bodyPr>
+          <a:lstStyle/>
+          <a:p>
+            <a:r>
+              <a:rPr lang="en-US" sz="1400" b="1" dirty="0">
+                <a:solidFill>
+                  <a:srgbClr val="FF0000"/>
+                </a:solidFill>
+              </a:rPr>
+              <a:t>US </a:t>
+            </a:r>
+            <a:r>
+              <a:rPr lang="en-US" sz="1400" b="1" dirty="0" err="1">
+                <a:solidFill>
+                  <a:srgbClr val="FF0000"/>
+                </a:solidFill>
+              </a:rPr>
+              <a:t>Filtermaxx</a:t>
+            </a:r>
+            <a:r>
+              <a:rPr lang="en-US" sz="1400" b="1" dirty="0">
+                <a:solidFill>
+                  <a:srgbClr val="FF0000"/>
+                </a:solidFill>
+              </a:rPr>
+              <a:t> Fuel Filter Heater </a:t>
+            </a:r>
+            <a:r>
+              <a:rPr lang="en-US" sz="1400" dirty="0"/>
+              <a:t>- A thermostat-controlled 12V 100W wrap-around heater that fits most standard filters up to 4.5" diameter. The built-in thermostat is preset to 150°F and automatically regulates temperature, which prevents overheating without requiring manual monitoring </a:t>
+            </a:r>
+            <a:r>
+              <a:rPr lang="en-US" sz="1400" dirty="0">
+                <a:hlinkClick r:id="rId3"/>
+              </a:rPr>
+              <a:t>https://usfiltermaxx.com/</a:t>
+            </a:r>
+            <a:r>
+              <a:rPr lang="en-US" sz="1400" dirty="0" err="1">
+                <a:hlinkClick r:id="rId3"/>
+              </a:rPr>
+              <a:t>en</a:t>
+            </a:r>
+            <a:r>
+              <a:rPr lang="en-US" sz="1400" dirty="0">
+                <a:hlinkClick r:id="rId3"/>
+              </a:rPr>
+              <a:t>/home/55--12-volt-fuel-and-oil-filter-heater-for-wvo-and-biodiesel.html</a:t>
+            </a:r>
+            <a:endParaRPr lang="en-US" sz="1400" dirty="0"/>
+          </a:p>
+        </p:txBody>
+      </p:sp>
+      <p:sp>
+        <p:nvSpPr>
+          <p:cNvPr id="6" name="TextBox 5">
+            <a:extLst>
+              <a:ext uri="{FF2B5EF4-FFF2-40B4-BE49-F238E27FC236}">
+                <a16:creationId xmlns:a16="http://schemas.microsoft.com/office/drawing/2014/main" id="{E1A2222B-A6D3-4A46-E220-566D4232382E}"/>
+              </a:ext>
+            </a:extLst>
+          </p:cNvPr>
+          <p:cNvSpPr txBox="1"/>
+          <p:nvPr/>
+        </p:nvSpPr>
+        <p:spPr>
+          <a:xfrm>
+            <a:off x="128977" y="4896356"/>
+            <a:ext cx="5838044" cy="1169551"/>
+          </a:xfrm>
+          <a:prstGeom prst="rect">
+            <a:avLst/>
+          </a:prstGeom>
+          <a:solidFill>
+            <a:schemeClr val="accent4">
+              <a:lumMod val="20000"/>
+              <a:lumOff val="80000"/>
+            </a:schemeClr>
+          </a:solidFill>
+          <a:ln>
+            <a:solidFill>
+              <a:srgbClr val="FF0000"/>
+            </a:solidFill>
+          </a:ln>
+        </p:spPr>
+        <p:txBody>
+          <a:bodyPr wrap="square" rtlCol="0">
+            <a:spAutoFit/>
+          </a:bodyPr>
+          <a:lstStyle/>
+          <a:p>
+            <a:r>
+              <a:rPr lang="en-US" sz="1400" dirty="0"/>
+              <a:t>The X758 fuel filter is mounted on the front of the engine, making it accessible for heater installation. Wire the heater to your 12V battery system through a toggle switch so you can activate it 15 minutes before starting on cold mornings. Position the switch conveniently on your dashboard or near the operator seat for easy access. </a:t>
+            </a:r>
+          </a:p>
+        </p:txBody>
+      </p:sp>
+      <p:sp>
+        <p:nvSpPr>
+          <p:cNvPr id="7" name="TextBox 6">
+            <a:extLst>
+              <a:ext uri="{FF2B5EF4-FFF2-40B4-BE49-F238E27FC236}">
+                <a16:creationId xmlns:a16="http://schemas.microsoft.com/office/drawing/2014/main" id="{EEDF5ECF-4B02-D395-F79D-932A88711A5F}"/>
+              </a:ext>
+            </a:extLst>
+          </p:cNvPr>
+          <p:cNvSpPr txBox="1"/>
+          <p:nvPr/>
+        </p:nvSpPr>
+        <p:spPr>
+          <a:xfrm>
+            <a:off x="128977" y="3438644"/>
+            <a:ext cx="5838044" cy="1384995"/>
+          </a:xfrm>
+          <a:prstGeom prst="rect">
+            <a:avLst/>
+          </a:prstGeom>
+          <a:solidFill>
+            <a:schemeClr val="accent4">
+              <a:lumMod val="20000"/>
+              <a:lumOff val="80000"/>
+            </a:schemeClr>
+          </a:solidFill>
+          <a:ln>
+            <a:solidFill>
+              <a:srgbClr val="FF0000"/>
+            </a:solidFill>
+          </a:ln>
+        </p:spPr>
+        <p:txBody>
+          <a:bodyPr wrap="square" rtlCol="0">
+            <a:spAutoFit/>
+          </a:bodyPr>
+          <a:lstStyle/>
+          <a:p>
+            <a:r>
+              <a:rPr lang="en-US" sz="1400" dirty="0" err="1"/>
+              <a:t>Keenovo</a:t>
+            </a:r>
+            <a:r>
+              <a:rPr lang="en-US" sz="1400" dirty="0"/>
+              <a:t> Silicone Heating Pad - Available in various sizes with 12V 100W configurations, featuring built-in thermostats for over-heating protection. These use metal grommets for securing and can easily transfer between filters. </a:t>
+            </a:r>
+          </a:p>
+          <a:p>
+            <a:r>
+              <a:rPr lang="en-US" sz="1400" dirty="0">
+                <a:hlinkClick r:id="rId4"/>
+              </a:rPr>
+              <a:t>https://</a:t>
+            </a:r>
+            <a:r>
+              <a:rPr lang="en-US" sz="1400" dirty="0" err="1">
+                <a:hlinkClick r:id="rId4"/>
+              </a:rPr>
+              <a:t>keenovo.store</a:t>
+            </a:r>
+            <a:r>
+              <a:rPr lang="en-US" sz="1400" dirty="0">
+                <a:hlinkClick r:id="rId4"/>
+              </a:rPr>
+              <a:t>/products/keenovo-silicone-heating-pad-wvo-svo-fuel-filter-diesel-heater-nos-bottle-heater</a:t>
+            </a:r>
+            <a:endParaRPr lang="en-US" sz="1400" dirty="0"/>
+          </a:p>
+        </p:txBody>
+      </p:sp>
+      <p:pic>
+        <p:nvPicPr>
+          <p:cNvPr id="8" name="Picture 2" descr="KEENOVO Silicone Heating Pad WVO SVO Fuel Filter Diesel Heater NOS Bottle Heater">
+            <a:extLst>
+              <a:ext uri="{FF2B5EF4-FFF2-40B4-BE49-F238E27FC236}">
+                <a16:creationId xmlns:a16="http://schemas.microsoft.com/office/drawing/2014/main" id="{20446E96-8501-F9FE-7FD5-53EFB008B285}"/>
+              </a:ext>
+            </a:extLst>
+          </p:cNvPr>
+          <p:cNvPicPr>
+            <a:picLocks noChangeAspect="1" noChangeArrowheads="1"/>
+          </p:cNvPicPr>
+          <p:nvPr/>
+        </p:nvPicPr>
+        <p:blipFill rotWithShape="1">
+          <a:blip r:embed="rId5" cstate="email">
+            <a:extLst>
+              <a:ext uri="{28A0092B-C50C-407E-A947-70E740481C1C}">
+                <a14:useLocalDpi xmlns:a14="http://schemas.microsoft.com/office/drawing/2010/main"/>
+              </a:ext>
+            </a:extLst>
+          </a:blip>
+          <a:srcRect t="12957" b="12957"/>
+          <a:stretch>
+            <a:fillRect/>
+          </a:stretch>
+        </p:blipFill>
+        <p:spPr bwMode="auto">
+          <a:xfrm>
+            <a:off x="6291014" y="3013194"/>
+            <a:ext cx="1869430" cy="1384995"/>
+          </a:xfrm>
+          <a:prstGeom prst="rect">
+            <a:avLst/>
+          </a:prstGeom>
+          <a:noFill/>
+          <a:extLst>
+            <a:ext uri="{909E8E84-426E-40DD-AFC4-6F175D3DCCD1}">
+              <a14:hiddenFill xmlns:a14="http://schemas.microsoft.com/office/drawing/2010/main">
+                <a:solidFill>
+                  <a:srgbClr val="FFFFFF"/>
+                </a:solidFill>
+              </a14:hiddenFill>
+            </a:ext>
+          </a:extLst>
+        </p:spPr>
+      </p:pic>
+      <p:pic>
+        <p:nvPicPr>
+          <p:cNvPr id="9" name="Picture 4">
+            <a:extLst>
+              <a:ext uri="{FF2B5EF4-FFF2-40B4-BE49-F238E27FC236}">
+                <a16:creationId xmlns:a16="http://schemas.microsoft.com/office/drawing/2014/main" id="{9C444F37-DBB4-9594-003B-9EB1F0E8DC15}"/>
+              </a:ext>
+            </a:extLst>
+          </p:cNvPr>
+          <p:cNvPicPr>
+            <a:picLocks noChangeAspect="1" noChangeArrowheads="1"/>
+          </p:cNvPicPr>
+          <p:nvPr/>
+        </p:nvPicPr>
+        <p:blipFill rotWithShape="1">
+          <a:blip r:embed="rId6" cstate="email">
+            <a:extLst>
+              <a:ext uri="{28A0092B-C50C-407E-A947-70E740481C1C}">
+                <a14:useLocalDpi xmlns:a14="http://schemas.microsoft.com/office/drawing/2010/main"/>
+              </a:ext>
+            </a:extLst>
+          </a:blip>
+          <a:srcRect/>
+          <a:stretch>
+            <a:fillRect/>
+          </a:stretch>
+        </p:blipFill>
+        <p:spPr bwMode="auto">
+          <a:xfrm>
+            <a:off x="9901974" y="1628199"/>
+            <a:ext cx="1947126" cy="1384995"/>
+          </a:xfrm>
+          <a:prstGeom prst="rect">
+            <a:avLst/>
+          </a:prstGeom>
+          <a:noFill/>
+          <a:extLst>
+            <a:ext uri="{909E8E84-426E-40DD-AFC4-6F175D3DCCD1}">
+              <a14:hiddenFill xmlns:a14="http://schemas.microsoft.com/office/drawing/2010/main">
+                <a:solidFill>
+                  <a:srgbClr val="FFFFFF"/>
+                </a:solidFill>
+              </a14:hiddenFill>
+            </a:ext>
+          </a:extLst>
+        </p:spPr>
+      </p:pic>
+      <p:pic>
+        <p:nvPicPr>
+          <p:cNvPr id="10" name="Picture 9">
+            <a:extLst>
+              <a:ext uri="{FF2B5EF4-FFF2-40B4-BE49-F238E27FC236}">
+                <a16:creationId xmlns:a16="http://schemas.microsoft.com/office/drawing/2014/main" id="{17492681-5E1B-7EEF-E9CF-696955100BF8}"/>
+              </a:ext>
+            </a:extLst>
+          </p:cNvPr>
+          <p:cNvPicPr>
+            <a:picLocks noChangeAspect="1"/>
+          </p:cNvPicPr>
+          <p:nvPr/>
+        </p:nvPicPr>
+        <p:blipFill>
+          <a:blip r:embed="rId7" cstate="email">
+            <a:extLst>
+              <a:ext uri="{28A0092B-C50C-407E-A947-70E740481C1C}">
+                <a14:useLocalDpi xmlns:a14="http://schemas.microsoft.com/office/drawing/2010/main"/>
+              </a:ext>
+            </a:extLst>
+          </a:blip>
+          <a:stretch>
+            <a:fillRect/>
+          </a:stretch>
+        </p:blipFill>
+        <p:spPr>
+          <a:xfrm>
+            <a:off x="6644258" y="523220"/>
+            <a:ext cx="2956942" cy="1797477"/>
+          </a:xfrm>
+          <a:prstGeom prst="rect">
+            <a:avLst/>
+          </a:prstGeom>
+        </p:spPr>
+      </p:pic>
+    </p:spTree>
+    <p:extLst>
+      <p:ext uri="{BB962C8B-B14F-4D97-AF65-F5344CB8AC3E}">
+        <p14:creationId xmlns:p14="http://schemas.microsoft.com/office/powerpoint/2010/main" val="3965094128"/>
+      </p:ext>
+    </p:extLst>
+  </p:cSld>
+  <p:clrMapOvr>
+    <a:masterClrMapping/>
+  </p:clrMapOvr>
+</p:sld>
+</file>
+
+<file path=ppt/slides/slide7.xml><?xml version="1.0" encoding="utf-8"?>
 <p:sld xmlns:a="http://schemas.openxmlformats.org/drawingml/2006/main" xmlns:r="http://schemas.openxmlformats.org/officeDocument/2006/relationships" xmlns:p="http://schemas.openxmlformats.org/presentationml/2006/main">
   <p:cSld>
     <p:spTree>
@@ -6858,7 +7315,7 @@
 </p:sld>
 </file>
 
-<file path=ppt/slides/slide7.xml><?xml version="1.0" encoding="utf-8"?>
+<file path=ppt/slides/slide8.xml><?xml version="1.0" encoding="utf-8"?>
 <p:sld xmlns:a="http://schemas.openxmlformats.org/drawingml/2006/main" xmlns:r="http://schemas.openxmlformats.org/officeDocument/2006/relationships" xmlns:p="http://schemas.openxmlformats.org/presentationml/2006/main">
   <p:cSld>
     <p:spTree>
@@ -7252,7 +7709,7 @@
 </p:sld>
 </file>
 
-<file path=ppt/slides/slide8.xml><?xml version="1.0" encoding="utf-8"?>
+<file path=ppt/slides/slide9.xml><?xml version="1.0" encoding="utf-8"?>
 <p:sld xmlns:a="http://schemas.openxmlformats.org/drawingml/2006/main" xmlns:r="http://schemas.openxmlformats.org/officeDocument/2006/relationships" xmlns:p="http://schemas.openxmlformats.org/presentationml/2006/main">
   <p:cSld>
     <p:spTree>

--- a/tractor_jd_1025r_X758.pptx
+++ b/tractor_jd_1025r_X758.pptx
@@ -5885,8 +5885,8 @@
         </p:nvSpPr>
         <p:spPr>
           <a:xfrm>
-            <a:off x="5181599" y="186268"/>
-            <a:ext cx="6863281" cy="4893647"/>
+            <a:off x="5048251" y="71968"/>
+            <a:ext cx="6996630" cy="6832640"/>
           </a:xfrm>
           <a:prstGeom prst="rect">
             <a:avLst/>
@@ -5986,9 +5986,40 @@
               <a:rPr lang="en-US" sz="1400" dirty="0"/>
               <a:t>– need to be added at temperatures below -12°C (10-15°F), they prevent wax crystals from sticking together, and disperse moisture to prevent ice formation in fuel filters. </a:t>
             </a:r>
-            <a:br>
+          </a:p>
+          <a:p>
+            <a:pPr marL="285750" indent="-285750">
+              <a:buFont typeface="Courier New" panose="02070309020205020404" pitchFamily="49" charset="0"/>
+              <a:buChar char="o"/>
+            </a:pPr>
+            <a:r>
               <a:rPr lang="en-US" sz="1400" dirty="0"/>
-            </a:br>
+              <a:t>John Deere Recommended its own Additive - John Deere Fuel-Protect Winter Formula (TY27786). It contains wax crystal modifiers that prevent fuel gelling by changing the shape and size of wax crystals as they form. This allows smaller crystals to pass through the fuel filter instead of clumping together and blocking flow. </a:t>
+            </a:r>
+          </a:p>
+          <a:p>
+            <a:pPr marL="285750" indent="-285750">
+              <a:buFont typeface="Courier New" panose="02070309020205020404" pitchFamily="49" charset="0"/>
+              <a:buChar char="o"/>
+            </a:pPr>
+            <a:r>
+              <a:rPr lang="en-US" sz="1400" dirty="0"/>
+              <a:t>The winter formula typically protects 15-20°F below the fuel's cloud point (which is 15-19F, so with additive we can go down to </a:t>
+            </a:r>
+            <a:r>
+              <a:rPr lang="en-US" sz="1400" dirty="0" err="1"/>
+              <a:t>approx</a:t>
+            </a:r>
+            <a:r>
+              <a:rPr lang="en-US" sz="1400" dirty="0"/>
+              <a:t> 0°F )</a:t>
+            </a:r>
+          </a:p>
+          <a:p>
+            <a:pPr marL="285750" indent="-285750">
+              <a:buFont typeface="Courier New" panose="02070309020205020404" pitchFamily="49" charset="0"/>
+              <a:buChar char="o"/>
+            </a:pPr>
             <a:r>
               <a:rPr lang="en-US" sz="1400" dirty="0"/>
               <a:t>Products like </a:t>
@@ -6019,7 +6050,17 @@
             </a:r>
             <a:r>
               <a:rPr lang="en-US" sz="1400" dirty="0"/>
-              <a:t>can protect diesel fuel down to -40°F (-40°C) when used at every fill-up. The additives should be mixed with fuel before temperatures drop, as </a:t>
+              <a:t>can protect diesel fuel down to -40°F (-40°C) when used at every fill-up. </a:t>
+            </a:r>
+          </a:p>
+          <a:p>
+            <a:pPr marL="285750" indent="-285750">
+              <a:buFont typeface="Courier New" panose="02070309020205020404" pitchFamily="49" charset="0"/>
+              <a:buChar char="o"/>
+            </a:pPr>
+            <a:r>
+              <a:rPr lang="en-US" sz="1400" dirty="0"/>
+              <a:t>Important - the additives should be mixed with fuel before temperatures drop, as </a:t>
             </a:r>
             <a:r>
               <a:rPr lang="en-US" sz="1400" dirty="0">
@@ -6111,6 +6152,29 @@
               <a:rPr lang="en-US" sz="1400" dirty="0"/>
               <a:t>.</a:t>
             </a:r>
+          </a:p>
+          <a:p>
+            <a:pPr marL="285750" indent="-285750">
+              <a:buFont typeface="Courier New" panose="02070309020205020404" pitchFamily="49" charset="0"/>
+              <a:buChar char="o"/>
+            </a:pPr>
+            <a:r>
+              <a:rPr lang="en-US" sz="1400" b="1" dirty="0">
+                <a:solidFill>
+                  <a:srgbClr val="FF0000"/>
+                </a:solidFill>
+              </a:rPr>
+              <a:t>Replace fuel filters before cold weather </a:t>
+            </a:r>
+            <a:r>
+              <a:rPr lang="en-US" sz="1400" dirty="0"/>
+              <a:t>arrives, as dirty filters trap moisture and accelerate gelling.</a:t>
+            </a:r>
+            <a:endParaRPr lang="en-US" sz="1400" b="1" dirty="0">
+              <a:solidFill>
+                <a:srgbClr val="FF0000"/>
+              </a:solidFill>
+            </a:endParaRPr>
           </a:p>
           <a:p>
             <a:pPr marL="285750" indent="-285750">
